--- a/study/ppt/[스터디]1.6.1~1.7상관계수_KDH.pptx
+++ b/study/ppt/[스터디]1.6.1~1.7상관계수_KDH.pptx
@@ -4261,7 +4261,7 @@
         </p:nvSpPr>
         <p:spPr>
           <a:xfrm>
-            <a:off x="-62261" y="1063685"/>
+            <a:off x="-62261" y="930518"/>
             <a:ext cx="9889800" cy="369300"/>
           </a:xfrm>
           <a:prstGeom prst="rect">
@@ -4279,6 +4279,9 @@
           <a:lstStyle/>
           <a:p>
             <a:pPr marL="114300" marR="0" lvl="0" algn="just" rtl="0">
+              <a:lnSpc>
+                <a:spcPct val="150000"/>
+              </a:lnSpc>
               <a:spcBef>
                 <a:spcPts val="0"/>
               </a:spcBef>
@@ -4323,6 +4326,9 @@
           </a:p>
           <a:p>
             <a:pPr marL="400050" marR="0" lvl="0" indent="-285750" algn="just" rtl="0">
+              <a:lnSpc>
+                <a:spcPct val="150000"/>
+              </a:lnSpc>
               <a:spcBef>
                 <a:spcPts val="0"/>
               </a:spcBef>
@@ -4414,15 +4420,16 @@
           </a:p>
           <a:p>
             <a:pPr marL="400050" marR="0" lvl="0" indent="-285750" algn="just" rtl="0">
-              <a:spcBef>
-                <a:spcPts val="0"/>
-              </a:spcBef>
-              <a:spcAft>
-                <a:spcPts val="0"/>
-              </a:spcAft>
-              <a:buClr>
-                <a:srgbClr val="0070C0"/>
-              </a:buClr>
+              <a:lnSpc>
+                <a:spcPct val="150000"/>
+              </a:lnSpc>
+              <a:spcBef>
+                <a:spcPts val="0"/>
+              </a:spcBef>
+              <a:spcAft>
+                <a:spcPts val="0"/>
+              </a:spcAft>
+              <a:buClrTx/>
               <a:buSzPts val="1800"/>
               <a:buFont typeface="Arial" panose="020B0604020202020204" pitchFamily="34" charset="0"/>
               <a:buChar char="•"/>
@@ -4438,6 +4445,9 @@
           </a:p>
           <a:p>
             <a:pPr marL="114300" algn="just">
+              <a:lnSpc>
+                <a:spcPct val="150000"/>
+              </a:lnSpc>
               <a:buClr>
                 <a:srgbClr val="0070C0"/>
               </a:buClr>
@@ -4465,30 +4475,6 @@
               </a:rPr>
               <a:t>기댓값</a:t>
             </a:r>
-            <a:endParaRPr lang="en-US" altLang="ko-KR" sz="2000" dirty="0">
-              <a:solidFill>
-                <a:schemeClr val="tx1">
-                  <a:lumMod val="95000"/>
-                  <a:lumOff val="5000"/>
-                </a:schemeClr>
-              </a:solidFill>
-            </a:endParaRPr>
-          </a:p>
-          <a:p>
-            <a:pPr marL="400050" marR="0" lvl="0" indent="-285750" algn="just" rtl="0">
-              <a:spcBef>
-                <a:spcPts val="0"/>
-              </a:spcBef>
-              <a:spcAft>
-                <a:spcPts val="0"/>
-              </a:spcAft>
-              <a:buClr>
-                <a:srgbClr val="0070C0"/>
-              </a:buClr>
-              <a:buSzPts val="1800"/>
-              <a:buFont typeface="Arial" panose="020B0604020202020204" pitchFamily="34" charset="0"/>
-              <a:buChar char="•"/>
-            </a:pPr>
             <a:endParaRPr lang="en-US" altLang="ko-KR" sz="1600" dirty="0">
               <a:solidFill>
                 <a:schemeClr val="tx1">
@@ -4499,13 +4485,10 @@
             </a:endParaRPr>
           </a:p>
           <a:p>
-            <a:pPr marL="400050" marR="0" lvl="0" indent="-285750" algn="just" rtl="0">
-              <a:spcBef>
-                <a:spcPts val="0"/>
-              </a:spcBef>
-              <a:spcAft>
-                <a:spcPts val="0"/>
-              </a:spcAft>
+            <a:pPr marL="400050" indent="-285750" algn="just">
+              <a:lnSpc>
+                <a:spcPct val="150000"/>
+              </a:lnSpc>
               <a:buClrTx/>
               <a:buSzPts val="1800"/>
               <a:buFont typeface="Arial" panose="020B0604020202020204" pitchFamily="34" charset="0"/>
@@ -4553,7 +4536,7 @@
                   </a:schemeClr>
                 </a:solidFill>
               </a:rPr>
-              <a:t>확률값과</a:t>
+              <a:t>기댓값은</a:t>
             </a:r>
             <a:r>
               <a:rPr lang="ko-KR" altLang="en-US" sz="1600" dirty="0">
@@ -4564,7 +4547,7 @@
                   </a:schemeClr>
                 </a:solidFill>
               </a:rPr>
-              <a:t> 결과값의 곱의 합</a:t>
+              <a:t> 어떤 값과 그 값이 일어날 확률을 서로 곱해서 더한 값을 의미한다</a:t>
             </a:r>
             <a:r>
               <a:rPr lang="en-US" altLang="ko-KR" sz="1600" dirty="0">
@@ -4575,11 +4558,69 @@
                   </a:schemeClr>
                 </a:solidFill>
               </a:rPr>
-              <a:t>	</a:t>
+              <a:t>. </a:t>
+            </a:r>
+            <a:r>
+              <a:rPr lang="ko-KR" altLang="en-US" sz="1600" dirty="0">
+                <a:solidFill>
+                  <a:schemeClr val="tx1">
+                    <a:lumMod val="95000"/>
+                    <a:lumOff val="5000"/>
+                  </a:schemeClr>
+                </a:solidFill>
+              </a:rPr>
+              <a:t>주로 요인변수의 수준을 요약하는데 사용한다</a:t>
+            </a:r>
+            <a:r>
+              <a:rPr lang="en-US" altLang="ko-KR" sz="1600" dirty="0">
+                <a:solidFill>
+                  <a:schemeClr val="tx1">
+                    <a:lumMod val="95000"/>
+                    <a:lumOff val="5000"/>
+                  </a:schemeClr>
+                </a:solidFill>
+              </a:rPr>
+              <a:t>. </a:t>
+            </a:r>
+            <a:r>
+              <a:rPr lang="ko-KR" altLang="en-US" sz="1600" dirty="0" err="1">
+                <a:solidFill>
+                  <a:schemeClr val="tx1">
+                    <a:lumMod val="95000"/>
+                    <a:lumOff val="5000"/>
+                  </a:schemeClr>
+                </a:solidFill>
+              </a:rPr>
+              <a:t>기댓값은</a:t>
+            </a:r>
+            <a:r>
+              <a:rPr lang="ko-KR" altLang="en-US" sz="1600" dirty="0">
+                <a:solidFill>
+                  <a:schemeClr val="tx1">
+                    <a:lumMod val="95000"/>
+                    <a:lumOff val="5000"/>
+                  </a:schemeClr>
+                </a:solidFill>
+              </a:rPr>
+              <a:t> 실제 사업 평가나 자본 예산에 가장 근본적인 토대가 된다</a:t>
+            </a:r>
+            <a:r>
+              <a:rPr lang="en-US" altLang="ko-KR" sz="1600" dirty="0">
+                <a:solidFill>
+                  <a:schemeClr val="tx1">
+                    <a:lumMod val="95000"/>
+                    <a:lumOff val="5000"/>
+                  </a:schemeClr>
+                </a:solidFill>
+              </a:rPr>
+              <a:t>.</a:t>
             </a:r>
           </a:p>
           <a:p>
             <a:pPr marL="114300" marR="0" lvl="0" algn="just" rtl="0">
+              <a:lnSpc>
+                <a:spcPct val="150000"/>
+              </a:lnSpc>
               <a:spcBef>
                 <a:spcPts val="0"/>
               </a:spcBef>
@@ -4931,519 +4972,6 @@
                 </a:solidFill>
               </a:rPr>
               <a:t>(0.05)(300)+(0.15)(50)+(800)(0) = 22.5</a:t>
-            </a:r>
-          </a:p>
-          <a:p>
-            <a:pPr marL="114300" marR="0" lvl="0" algn="just" rtl="0">
-              <a:spcBef>
-                <a:spcPts val="0"/>
-              </a:spcBef>
-              <a:spcAft>
-                <a:spcPts val="0"/>
-              </a:spcAft>
-              <a:buClr>
-                <a:srgbClr val="0070C0"/>
-              </a:buClr>
-              <a:buSzPts val="1800"/>
-            </a:pPr>
-            <a:endParaRPr lang="en-US" altLang="ko-KR" sz="1600" dirty="0">
-              <a:solidFill>
-                <a:schemeClr val="tx1">
-                  <a:lumMod val="95000"/>
-                  <a:lumOff val="5000"/>
-                </a:schemeClr>
-              </a:solidFill>
-            </a:endParaRPr>
-          </a:p>
-          <a:p>
-            <a:pPr marL="114300" marR="0" lvl="0" algn="just" rtl="0">
-              <a:spcBef>
-                <a:spcPts val="0"/>
-              </a:spcBef>
-              <a:spcAft>
-                <a:spcPts val="0"/>
-              </a:spcAft>
-              <a:buClr>
-                <a:srgbClr val="0070C0"/>
-              </a:buClr>
-              <a:buSzPts val="1800"/>
-            </a:pPr>
-            <a:r>
-              <a:rPr lang="ko-KR" altLang="en-US" sz="1600" b="1" dirty="0">
-                <a:solidFill>
-                  <a:schemeClr val="tx1">
-                    <a:lumMod val="95000"/>
-                    <a:lumOff val="5000"/>
-                  </a:schemeClr>
-                </a:solidFill>
-              </a:rPr>
-              <a:t>주요 개념</a:t>
-            </a:r>
-            <a:endParaRPr lang="en-US" altLang="ko-KR" sz="1600" b="1" dirty="0">
-              <a:solidFill>
-                <a:schemeClr val="tx1">
-                  <a:lumMod val="95000"/>
-                  <a:lumOff val="5000"/>
-                </a:schemeClr>
-              </a:solidFill>
-            </a:endParaRPr>
-          </a:p>
-          <a:p>
-            <a:pPr marL="400050" marR="0" lvl="0" indent="-285750" algn="just" rtl="0">
-              <a:lnSpc>
-                <a:spcPct val="150000"/>
-              </a:lnSpc>
-              <a:spcBef>
-                <a:spcPts val="0"/>
-              </a:spcBef>
-              <a:spcAft>
-                <a:spcPts val="0"/>
-              </a:spcAft>
-              <a:buClrTx/>
-              <a:buSzPts val="1800"/>
-              <a:buFont typeface="Arial" panose="020B0604020202020204" pitchFamily="34" charset="0"/>
-              <a:buChar char="•"/>
-            </a:pPr>
-            <a:r>
-              <a:rPr lang="ko-KR" altLang="en-US" sz="1600" dirty="0">
-                <a:solidFill>
-                  <a:schemeClr val="tx1">
-                    <a:lumMod val="95000"/>
-                    <a:lumOff val="5000"/>
-                  </a:schemeClr>
-                </a:solidFill>
-              </a:rPr>
-              <a:t>범주형 데이터는 보통 </a:t>
-            </a:r>
-            <a:r>
-              <a:rPr lang="ko-KR" altLang="en-US" sz="1600" dirty="0" err="1">
-                <a:solidFill>
-                  <a:schemeClr val="tx1">
-                    <a:lumMod val="95000"/>
-                    <a:lumOff val="5000"/>
-                  </a:schemeClr>
-                </a:solidFill>
-              </a:rPr>
-              <a:t>비울로</a:t>
-            </a:r>
-            <a:r>
-              <a:rPr lang="ko-KR" altLang="en-US" sz="1600" dirty="0">
-                <a:solidFill>
-                  <a:schemeClr val="tx1">
-                    <a:lumMod val="95000"/>
-                    <a:lumOff val="5000"/>
-                  </a:schemeClr>
-                </a:solidFill>
-              </a:rPr>
-              <a:t> 요약할 수 있고</a:t>
-            </a:r>
-            <a:r>
-              <a:rPr lang="en-US" altLang="ko-KR" sz="1600" dirty="0">
-                <a:solidFill>
-                  <a:schemeClr val="tx1">
-                    <a:lumMod val="95000"/>
-                    <a:lumOff val="5000"/>
-                  </a:schemeClr>
-                </a:solidFill>
-              </a:rPr>
-              <a:t>, </a:t>
-            </a:r>
-            <a:r>
-              <a:rPr lang="ko-KR" altLang="en-US" sz="1600" dirty="0" err="1">
-                <a:solidFill>
-                  <a:schemeClr val="tx1">
-                    <a:lumMod val="95000"/>
-                    <a:lumOff val="5000"/>
-                  </a:schemeClr>
-                </a:solidFill>
-              </a:rPr>
-              <a:t>막대도표를</a:t>
-            </a:r>
-            <a:r>
-              <a:rPr lang="ko-KR" altLang="en-US" sz="1600" dirty="0">
-                <a:solidFill>
-                  <a:schemeClr val="tx1">
-                    <a:lumMod val="95000"/>
-                    <a:lumOff val="5000"/>
-                  </a:schemeClr>
-                </a:solidFill>
-              </a:rPr>
-              <a:t> 사용해 </a:t>
-            </a:r>
-            <a:r>
-              <a:rPr lang="ko-KR" altLang="en-US" sz="1600" dirty="0" err="1">
-                <a:solidFill>
-                  <a:schemeClr val="tx1">
-                    <a:lumMod val="95000"/>
-                    <a:lumOff val="5000"/>
-                  </a:schemeClr>
-                </a:solidFill>
-              </a:rPr>
-              <a:t>시각화한다</a:t>
-            </a:r>
-            <a:r>
-              <a:rPr lang="en-US" altLang="ko-KR" sz="1600" dirty="0">
-                <a:solidFill>
-                  <a:schemeClr val="tx1">
-                    <a:lumMod val="95000"/>
-                    <a:lumOff val="5000"/>
-                  </a:schemeClr>
-                </a:solidFill>
-              </a:rPr>
-              <a:t>.</a:t>
-            </a:r>
-          </a:p>
-          <a:p>
-            <a:pPr marL="400050" marR="0" lvl="0" indent="-285750" algn="just" rtl="0">
-              <a:lnSpc>
-                <a:spcPct val="150000"/>
-              </a:lnSpc>
-              <a:spcBef>
-                <a:spcPts val="0"/>
-              </a:spcBef>
-              <a:spcAft>
-                <a:spcPts val="0"/>
-              </a:spcAft>
-              <a:buClrTx/>
-              <a:buSzPts val="1800"/>
-              <a:buFont typeface="Arial" panose="020B0604020202020204" pitchFamily="34" charset="0"/>
-              <a:buChar char="•"/>
-            </a:pPr>
-            <a:r>
-              <a:rPr lang="ko-KR" altLang="en-US" sz="1600" dirty="0" err="1">
-                <a:solidFill>
-                  <a:schemeClr val="tx1">
-                    <a:lumMod val="95000"/>
-                    <a:lumOff val="5000"/>
-                  </a:schemeClr>
-                </a:solidFill>
-              </a:rPr>
-              <a:t>범주란</a:t>
-            </a:r>
-            <a:r>
-              <a:rPr lang="ko-KR" altLang="en-US" sz="1600" dirty="0">
-                <a:solidFill>
-                  <a:schemeClr val="tx1">
-                    <a:lumMod val="95000"/>
-                    <a:lumOff val="5000"/>
-                  </a:schemeClr>
-                </a:solidFill>
-              </a:rPr>
-              <a:t> </a:t>
-            </a:r>
-            <a:r>
-              <a:rPr lang="ko-KR" altLang="en-US" sz="1600" dirty="0" err="1">
-                <a:solidFill>
-                  <a:schemeClr val="tx1">
-                    <a:lumMod val="95000"/>
-                    <a:lumOff val="5000"/>
-                  </a:schemeClr>
-                </a:solidFill>
-              </a:rPr>
-              <a:t>번혀</a:t>
-            </a:r>
-            <a:r>
-              <a:rPr lang="ko-KR" altLang="en-US" sz="1600" dirty="0">
-                <a:solidFill>
-                  <a:schemeClr val="tx1">
-                    <a:lumMod val="95000"/>
-                    <a:lumOff val="5000"/>
-                  </a:schemeClr>
-                </a:solidFill>
-              </a:rPr>
-              <a:t> 다른 집합</a:t>
-            </a:r>
-            <a:r>
-              <a:rPr lang="en-US" altLang="ko-KR" sz="1600" dirty="0">
-                <a:solidFill>
-                  <a:schemeClr val="tx1">
-                    <a:lumMod val="95000"/>
-                    <a:lumOff val="5000"/>
-                  </a:schemeClr>
-                </a:solidFill>
-              </a:rPr>
-              <a:t>(</a:t>
-            </a:r>
-            <a:r>
-              <a:rPr lang="ko-KR" altLang="en-US" sz="1600" dirty="0">
-                <a:solidFill>
-                  <a:schemeClr val="tx1">
-                    <a:lumMod val="95000"/>
-                    <a:lumOff val="5000"/>
-                  </a:schemeClr>
-                </a:solidFill>
-              </a:rPr>
-              <a:t>사과와 </a:t>
-            </a:r>
-            <a:r>
-              <a:rPr lang="ko-KR" altLang="en-US" sz="1600" dirty="0" err="1">
-                <a:solidFill>
-                  <a:schemeClr val="tx1">
-                    <a:lumMod val="95000"/>
-                    <a:lumOff val="5000"/>
-                  </a:schemeClr>
-                </a:solidFill>
-              </a:rPr>
-              <a:t>오렌시</a:t>
-            </a:r>
-            <a:r>
-              <a:rPr lang="en-US" altLang="ko-KR" sz="1600" dirty="0">
-                <a:solidFill>
-                  <a:schemeClr val="tx1">
-                    <a:lumMod val="95000"/>
-                    <a:lumOff val="5000"/>
-                  </a:schemeClr>
-                </a:solidFill>
-              </a:rPr>
-              <a:t>, </a:t>
-            </a:r>
-            <a:r>
-              <a:rPr lang="ko-KR" altLang="en-US" sz="1600" dirty="0">
-                <a:solidFill>
-                  <a:schemeClr val="tx1">
-                    <a:lumMod val="95000"/>
-                    <a:lumOff val="5000"/>
-                  </a:schemeClr>
-                </a:solidFill>
-              </a:rPr>
-              <a:t>혹은 남자와 여자</a:t>
-            </a:r>
-            <a:r>
-              <a:rPr lang="en-US" altLang="ko-KR" sz="1600" dirty="0">
-                <a:solidFill>
-                  <a:schemeClr val="tx1">
-                    <a:lumMod val="95000"/>
-                    <a:lumOff val="5000"/>
-                  </a:schemeClr>
-                </a:solidFill>
-              </a:rPr>
-              <a:t>), </a:t>
-            </a:r>
-            <a:r>
-              <a:rPr lang="ko-KR" altLang="en-US" sz="1600" dirty="0">
-                <a:solidFill>
-                  <a:schemeClr val="tx1">
-                    <a:lumMod val="95000"/>
-                    <a:lumOff val="5000"/>
-                  </a:schemeClr>
-                </a:solidFill>
-              </a:rPr>
-              <a:t>정도를 나타내는 요인변수의 수준</a:t>
-            </a:r>
-            <a:r>
-              <a:rPr lang="en-US" altLang="ko-KR" sz="1600" dirty="0">
-                <a:solidFill>
-                  <a:schemeClr val="tx1">
-                    <a:lumMod val="95000"/>
-                    <a:lumOff val="5000"/>
-                  </a:schemeClr>
-                </a:solidFill>
-              </a:rPr>
-              <a:t>(</a:t>
-            </a:r>
-            <a:r>
-              <a:rPr lang="ko-KR" altLang="en-US" sz="1600" dirty="0">
-                <a:solidFill>
-                  <a:schemeClr val="tx1">
-                    <a:lumMod val="95000"/>
-                    <a:lumOff val="5000"/>
-                  </a:schemeClr>
-                </a:solidFill>
-              </a:rPr>
-              <a:t>낮은</a:t>
-            </a:r>
-            <a:r>
-              <a:rPr lang="en-US" altLang="ko-KR" sz="1600" dirty="0">
-                <a:solidFill>
-                  <a:schemeClr val="tx1">
-                    <a:lumMod val="95000"/>
-                    <a:lumOff val="5000"/>
-                  </a:schemeClr>
-                </a:solidFill>
-              </a:rPr>
-              <a:t>, </a:t>
-            </a:r>
-            <a:r>
-              <a:rPr lang="ko-KR" altLang="en-US" sz="1600" dirty="0">
-                <a:solidFill>
-                  <a:schemeClr val="tx1">
-                    <a:lumMod val="95000"/>
-                    <a:lumOff val="5000"/>
-                  </a:schemeClr>
-                </a:solidFill>
-              </a:rPr>
-              <a:t>중간</a:t>
-            </a:r>
-            <a:r>
-              <a:rPr lang="en-US" altLang="ko-KR" sz="1600" dirty="0">
-                <a:solidFill>
-                  <a:schemeClr val="tx1">
-                    <a:lumMod val="95000"/>
-                    <a:lumOff val="5000"/>
-                  </a:schemeClr>
-                </a:solidFill>
-              </a:rPr>
-              <a:t>, </a:t>
-            </a:r>
-            <a:r>
-              <a:rPr lang="ko-KR" altLang="en-US" sz="1600" dirty="0">
-                <a:solidFill>
-                  <a:schemeClr val="tx1">
-                    <a:lumMod val="95000"/>
-                    <a:lumOff val="5000"/>
-                  </a:schemeClr>
-                </a:solidFill>
-              </a:rPr>
-              <a:t>높음</a:t>
-            </a:r>
-            <a:r>
-              <a:rPr lang="en-US" altLang="ko-KR" sz="1600" dirty="0">
-                <a:solidFill>
-                  <a:schemeClr val="tx1">
-                    <a:lumMod val="95000"/>
-                    <a:lumOff val="5000"/>
-                  </a:schemeClr>
-                </a:solidFill>
-              </a:rPr>
-              <a:t>), </a:t>
-            </a:r>
-            <a:r>
-              <a:rPr lang="ko-KR" altLang="en-US" sz="1600" dirty="0">
-                <a:solidFill>
-                  <a:schemeClr val="tx1">
-                    <a:lumMod val="95000"/>
-                    <a:lumOff val="5000"/>
-                  </a:schemeClr>
-                </a:solidFill>
-              </a:rPr>
-              <a:t>혹은 구간별로 </a:t>
-            </a:r>
-            <a:r>
-              <a:rPr lang="ko-KR" altLang="en-US" sz="1600" dirty="0" err="1">
-                <a:solidFill>
-                  <a:schemeClr val="tx1">
-                    <a:lumMod val="95000"/>
-                    <a:lumOff val="5000"/>
-                  </a:schemeClr>
-                </a:solidFill>
-              </a:rPr>
-              <a:t>나뉜수치</a:t>
-            </a:r>
-            <a:r>
-              <a:rPr lang="ko-KR" altLang="en-US" sz="1600" dirty="0">
-                <a:solidFill>
-                  <a:schemeClr val="tx1">
-                    <a:lumMod val="95000"/>
-                    <a:lumOff val="5000"/>
-                  </a:schemeClr>
-                </a:solidFill>
-              </a:rPr>
-              <a:t> 데이터 같은 것들을 의미한다</a:t>
-            </a:r>
-            <a:r>
-              <a:rPr lang="en-US" altLang="ko-KR" sz="1600" dirty="0">
-                <a:solidFill>
-                  <a:schemeClr val="tx1">
-                    <a:lumMod val="95000"/>
-                    <a:lumOff val="5000"/>
-                  </a:schemeClr>
-                </a:solidFill>
-              </a:rPr>
-              <a:t>.</a:t>
-            </a:r>
-          </a:p>
-          <a:p>
-            <a:pPr marL="400050" marR="0" lvl="0" indent="-285750" algn="just" rtl="0">
-              <a:lnSpc>
-                <a:spcPct val="150000"/>
-              </a:lnSpc>
-              <a:spcBef>
-                <a:spcPts val="0"/>
-              </a:spcBef>
-              <a:spcAft>
-                <a:spcPts val="0"/>
-              </a:spcAft>
-              <a:buClrTx/>
-              <a:buSzPts val="1800"/>
-              <a:buFont typeface="Arial" panose="020B0604020202020204" pitchFamily="34" charset="0"/>
-              <a:buChar char="•"/>
-            </a:pPr>
-            <a:r>
-              <a:rPr lang="ko-KR" altLang="en-US" sz="1600" dirty="0" err="1">
-                <a:solidFill>
-                  <a:schemeClr val="tx1">
-                    <a:lumMod val="95000"/>
-                    <a:lumOff val="5000"/>
-                  </a:schemeClr>
-                </a:solidFill>
-              </a:rPr>
-              <a:t>기댁값은</a:t>
-            </a:r>
-            <a:r>
-              <a:rPr lang="ko-KR" altLang="en-US" sz="1600" dirty="0">
-                <a:solidFill>
-                  <a:schemeClr val="tx1">
-                    <a:lumMod val="95000"/>
-                    <a:lumOff val="5000"/>
-                  </a:schemeClr>
-                </a:solidFill>
-              </a:rPr>
-              <a:t> 어떤 값과 그 값이 일어날 확률을 서로 곱해서 더한 값을 의미한다</a:t>
-            </a:r>
-            <a:r>
-              <a:rPr lang="en-US" altLang="ko-KR" sz="1600" dirty="0">
-                <a:solidFill>
-                  <a:schemeClr val="tx1">
-                    <a:lumMod val="95000"/>
-                    <a:lumOff val="5000"/>
-                  </a:schemeClr>
-                </a:solidFill>
-              </a:rPr>
-              <a:t>. </a:t>
-            </a:r>
-            <a:r>
-              <a:rPr lang="ko-KR" altLang="en-US" sz="1600" dirty="0">
-                <a:solidFill>
-                  <a:schemeClr val="tx1">
-                    <a:lumMod val="95000"/>
-                    <a:lumOff val="5000"/>
-                  </a:schemeClr>
-                </a:solidFill>
-              </a:rPr>
-              <a:t>주로 </a:t>
-            </a:r>
-            <a:r>
-              <a:rPr lang="ko-KR" altLang="en-US" sz="1600" dirty="0" err="1">
-                <a:solidFill>
-                  <a:schemeClr val="tx1">
-                    <a:lumMod val="95000"/>
-                    <a:lumOff val="5000"/>
-                  </a:schemeClr>
-                </a:solidFill>
-              </a:rPr>
-              <a:t>요인별수의</a:t>
-            </a:r>
-            <a:r>
-              <a:rPr lang="ko-KR" altLang="en-US" sz="1600" dirty="0">
-                <a:solidFill>
-                  <a:schemeClr val="tx1">
-                    <a:lumMod val="95000"/>
-                    <a:lumOff val="5000"/>
-                  </a:schemeClr>
-                </a:solidFill>
-              </a:rPr>
-              <a:t> 수준을 요약하는데 사용한다</a:t>
-            </a:r>
-            <a:r>
-              <a:rPr lang="en-US" altLang="ko-KR" sz="1600" dirty="0">
-                <a:solidFill>
-                  <a:schemeClr val="tx1">
-                    <a:lumMod val="95000"/>
-                    <a:lumOff val="5000"/>
-                  </a:schemeClr>
-                </a:solidFill>
-              </a:rPr>
-              <a:t>.</a:t>
             </a:r>
           </a:p>
           <a:p>
@@ -5512,6 +5040,270 @@
               <a:t>상관관계</a:t>
             </a:r>
             <a:endParaRPr lang="en-US" altLang="ko-KR" sz="2000" b="1" dirty="0">
+              <a:solidFill>
+                <a:schemeClr val="tx1">
+                  <a:lumMod val="95000"/>
+                  <a:lumOff val="5000"/>
+                </a:schemeClr>
+              </a:solidFill>
+            </a:endParaRPr>
+          </a:p>
+          <a:p>
+            <a:pPr marL="400050" marR="0" lvl="0" indent="-285750" algn="just" rtl="0">
+              <a:lnSpc>
+                <a:spcPct val="150000"/>
+              </a:lnSpc>
+              <a:spcBef>
+                <a:spcPts val="0"/>
+              </a:spcBef>
+              <a:spcAft>
+                <a:spcPts val="0"/>
+              </a:spcAft>
+              <a:buClrTx/>
+              <a:buSzPts val="1800"/>
+              <a:buFont typeface="Arial" panose="020B0604020202020204" pitchFamily="34" charset="0"/>
+              <a:buChar char="•"/>
+            </a:pPr>
+            <a:r>
+              <a:rPr lang="ko-KR" altLang="en-US" sz="1600" b="1" dirty="0">
+                <a:solidFill>
+                  <a:schemeClr val="tx1">
+                    <a:lumMod val="95000"/>
+                    <a:lumOff val="5000"/>
+                  </a:schemeClr>
+                </a:solidFill>
+              </a:rPr>
+              <a:t>상관계수 </a:t>
+            </a:r>
+            <a:r>
+              <a:rPr lang="en-US" altLang="ko-KR" sz="1600" dirty="0">
+                <a:solidFill>
+                  <a:schemeClr val="tx1">
+                    <a:lumMod val="95000"/>
+                    <a:lumOff val="5000"/>
+                  </a:schemeClr>
+                </a:solidFill>
+              </a:rPr>
+              <a:t>: </a:t>
+            </a:r>
+            <a:r>
+              <a:rPr lang="ko-KR" altLang="en-US" sz="1600" dirty="0" err="1">
+                <a:solidFill>
+                  <a:schemeClr val="tx1">
+                    <a:lumMod val="95000"/>
+                    <a:lumOff val="5000"/>
+                  </a:schemeClr>
+                </a:solidFill>
+              </a:rPr>
+              <a:t>예측값과</a:t>
+            </a:r>
+            <a:r>
+              <a:rPr lang="ko-KR" altLang="en-US" sz="1600" dirty="0">
+                <a:solidFill>
+                  <a:schemeClr val="tx1">
+                    <a:lumMod val="95000"/>
+                    <a:lumOff val="5000"/>
+                  </a:schemeClr>
+                </a:solidFill>
+              </a:rPr>
+              <a:t> </a:t>
+            </a:r>
+            <a:r>
+              <a:rPr lang="ko-KR" altLang="en-US" sz="1600" dirty="0" err="1">
+                <a:solidFill>
+                  <a:schemeClr val="tx1">
+                    <a:lumMod val="95000"/>
+                    <a:lumOff val="5000"/>
+                  </a:schemeClr>
+                </a:solidFill>
+              </a:rPr>
+              <a:t>목푯값과의</a:t>
+            </a:r>
+            <a:r>
+              <a:rPr lang="ko-KR" altLang="en-US" sz="1600" dirty="0">
+                <a:solidFill>
+                  <a:schemeClr val="tx1">
+                    <a:lumMod val="95000"/>
+                    <a:lumOff val="5000"/>
+                  </a:schemeClr>
+                </a:solidFill>
+              </a:rPr>
+              <a:t> 상관관계</a:t>
+            </a:r>
+            <a:endParaRPr lang="en-US" altLang="ko-KR" sz="1600" b="1" dirty="0">
+              <a:solidFill>
+                <a:schemeClr val="tx1">
+                  <a:lumMod val="95000"/>
+                  <a:lumOff val="5000"/>
+                </a:schemeClr>
+              </a:solidFill>
+            </a:endParaRPr>
+          </a:p>
+          <a:p>
+            <a:pPr marL="400050" lvl="0" indent="-285750" algn="just">
+              <a:lnSpc>
+                <a:spcPct val="150000"/>
+              </a:lnSpc>
+              <a:buClrTx/>
+              <a:buSzPts val="1800"/>
+              <a:buFont typeface="Arial" panose="020B0604020202020204" pitchFamily="34" charset="0"/>
+              <a:buChar char="•"/>
+            </a:pPr>
+            <a:r>
+              <a:rPr lang="ko-KR" altLang="en-US" sz="1600" b="1" dirty="0">
+                <a:solidFill>
+                  <a:schemeClr val="tx1">
+                    <a:lumMod val="95000"/>
+                    <a:lumOff val="5000"/>
+                  </a:schemeClr>
+                </a:solidFill>
+              </a:rPr>
+              <a:t>양의 상관관계 </a:t>
+            </a:r>
+            <a:r>
+              <a:rPr lang="en-US" altLang="ko-KR" sz="1600" dirty="0">
+                <a:solidFill>
+                  <a:schemeClr val="tx1">
+                    <a:lumMod val="95000"/>
+                    <a:lumOff val="5000"/>
+                  </a:schemeClr>
+                </a:solidFill>
+              </a:rPr>
+              <a:t>: x</a:t>
+            </a:r>
+            <a:r>
+              <a:rPr lang="ko-KR" altLang="en-US" sz="1600" dirty="0">
+                <a:solidFill>
+                  <a:schemeClr val="tx1">
+                    <a:lumMod val="95000"/>
+                    <a:lumOff val="5000"/>
+                  </a:schemeClr>
+                </a:solidFill>
+              </a:rPr>
+              <a:t>값이 증가하면 </a:t>
+            </a:r>
+            <a:r>
+              <a:rPr lang="en-US" altLang="ko-KR" sz="1600" dirty="0">
+                <a:solidFill>
+                  <a:schemeClr val="tx1">
+                    <a:lumMod val="95000"/>
+                    <a:lumOff val="5000"/>
+                  </a:schemeClr>
+                </a:solidFill>
+              </a:rPr>
+              <a:t>y</a:t>
+            </a:r>
+            <a:r>
+              <a:rPr lang="ko-KR" altLang="en-US" sz="1600" dirty="0">
+                <a:solidFill>
+                  <a:schemeClr val="tx1">
+                    <a:lumMod val="95000"/>
+                    <a:lumOff val="5000"/>
+                  </a:schemeClr>
+                </a:solidFill>
+              </a:rPr>
+              <a:t>값도 증가할 경우</a:t>
+            </a:r>
+            <a:endParaRPr lang="en-US" altLang="ko-KR" sz="1600" dirty="0">
+              <a:solidFill>
+                <a:schemeClr val="tx1">
+                  <a:lumMod val="95000"/>
+                  <a:lumOff val="5000"/>
+                </a:schemeClr>
+              </a:solidFill>
+            </a:endParaRPr>
+          </a:p>
+          <a:p>
+            <a:pPr marL="400050" lvl="0" indent="-285750" algn="just">
+              <a:lnSpc>
+                <a:spcPct val="150000"/>
+              </a:lnSpc>
+              <a:buClrTx/>
+              <a:buSzPts val="1800"/>
+              <a:buFont typeface="Arial" panose="020B0604020202020204" pitchFamily="34" charset="0"/>
+              <a:buChar char="•"/>
+            </a:pPr>
+            <a:r>
+              <a:rPr lang="ko-KR" altLang="en-US" sz="1600" b="1" dirty="0">
+                <a:solidFill>
+                  <a:schemeClr val="tx1">
+                    <a:lumMod val="95000"/>
+                    <a:lumOff val="5000"/>
+                  </a:schemeClr>
+                </a:solidFill>
+              </a:rPr>
+              <a:t>음의 상관관계 </a:t>
+            </a:r>
+            <a:r>
+              <a:rPr lang="en-US" altLang="ko-KR" sz="1600" dirty="0">
+                <a:solidFill>
+                  <a:schemeClr val="tx1">
+                    <a:lumMod val="95000"/>
+                    <a:lumOff val="5000"/>
+                  </a:schemeClr>
+                </a:solidFill>
+              </a:rPr>
+              <a:t>: x</a:t>
+            </a:r>
+            <a:r>
+              <a:rPr lang="ko-KR" altLang="en-US" sz="1600" dirty="0">
+                <a:solidFill>
+                  <a:schemeClr val="tx1">
+                    <a:lumMod val="95000"/>
+                    <a:lumOff val="5000"/>
+                  </a:schemeClr>
+                </a:solidFill>
+              </a:rPr>
+              <a:t>값이 증가하면 </a:t>
+            </a:r>
+            <a:r>
+              <a:rPr lang="en-US" altLang="ko-KR" sz="1600" dirty="0">
+                <a:solidFill>
+                  <a:schemeClr val="tx1">
+                    <a:lumMod val="95000"/>
+                    <a:lumOff val="5000"/>
+                  </a:schemeClr>
+                </a:solidFill>
+              </a:rPr>
+              <a:t>y</a:t>
+            </a:r>
+            <a:r>
+              <a:rPr lang="ko-KR" altLang="en-US" sz="1600" dirty="0">
+                <a:solidFill>
+                  <a:schemeClr val="tx1">
+                    <a:lumMod val="95000"/>
+                    <a:lumOff val="5000"/>
+                  </a:schemeClr>
+                </a:solidFill>
+              </a:rPr>
+              <a:t>값은 감소할 경우</a:t>
+            </a:r>
+            <a:endParaRPr lang="en-US" altLang="ko-KR" sz="1600" dirty="0">
+              <a:solidFill>
+                <a:schemeClr val="tx1">
+                  <a:lumMod val="95000"/>
+                  <a:lumOff val="5000"/>
+                </a:schemeClr>
+              </a:solidFill>
+            </a:endParaRPr>
+          </a:p>
+          <a:p>
+            <a:pPr marL="114300" marR="0" lvl="0" algn="just" rtl="0">
+              <a:lnSpc>
+                <a:spcPct val="150000"/>
+              </a:lnSpc>
+              <a:spcBef>
+                <a:spcPts val="0"/>
+              </a:spcBef>
+              <a:spcAft>
+                <a:spcPts val="0"/>
+              </a:spcAft>
+              <a:buClr>
+                <a:srgbClr val="0070C0"/>
+              </a:buClr>
+              <a:buSzPts val="1800"/>
+            </a:pPr>
+            <a:endParaRPr lang="en-US" altLang="ko-KR" sz="1800" b="1" dirty="0">
               <a:solidFill>
                 <a:schemeClr val="tx1">
                   <a:lumMod val="95000"/>
@@ -5569,7 +5361,7 @@
         </p:blipFill>
         <p:spPr>
           <a:xfrm>
-            <a:off x="6659796" y="1779628"/>
+            <a:off x="6659796" y="1220335"/>
             <a:ext cx="3003570" cy="1276128"/>
           </a:xfrm>
           <a:prstGeom prst="rect">
@@ -5807,154 +5599,6 @@
                   </a:schemeClr>
                 </a:solidFill>
               </a:rPr>
-              <a:t>양의 상관관계 </a:t>
-            </a:r>
-            <a:r>
-              <a:rPr lang="en-US" altLang="ko-KR" sz="1600" dirty="0">
-                <a:solidFill>
-                  <a:schemeClr val="tx1">
-                    <a:lumMod val="95000"/>
-                    <a:lumOff val="5000"/>
-                  </a:schemeClr>
-                </a:solidFill>
-              </a:rPr>
-              <a:t>: x</a:t>
-            </a:r>
-            <a:r>
-              <a:rPr lang="ko-KR" altLang="en-US" sz="1600" dirty="0">
-                <a:solidFill>
-                  <a:schemeClr val="tx1">
-                    <a:lumMod val="95000"/>
-                    <a:lumOff val="5000"/>
-                  </a:schemeClr>
-                </a:solidFill>
-              </a:rPr>
-              <a:t>값이 증가하면 </a:t>
-            </a:r>
-            <a:r>
-              <a:rPr lang="en-US" altLang="ko-KR" sz="1600" dirty="0">
-                <a:solidFill>
-                  <a:schemeClr val="tx1">
-                    <a:lumMod val="95000"/>
-                    <a:lumOff val="5000"/>
-                  </a:schemeClr>
-                </a:solidFill>
-              </a:rPr>
-              <a:t>y</a:t>
-            </a:r>
-            <a:r>
-              <a:rPr lang="ko-KR" altLang="en-US" sz="1600" dirty="0">
-                <a:solidFill>
-                  <a:schemeClr val="tx1">
-                    <a:lumMod val="95000"/>
-                    <a:lumOff val="5000"/>
-                  </a:schemeClr>
-                </a:solidFill>
-              </a:rPr>
-              <a:t>값도 증가할 경우</a:t>
-            </a:r>
-            <a:endParaRPr lang="en-US" altLang="ko-KR" sz="1600" dirty="0">
-              <a:solidFill>
-                <a:schemeClr val="tx1">
-                  <a:lumMod val="95000"/>
-                  <a:lumOff val="5000"/>
-                </a:schemeClr>
-              </a:solidFill>
-            </a:endParaRPr>
-          </a:p>
-          <a:p>
-            <a:pPr marL="400050" lvl="0" indent="-285750" algn="just">
-              <a:lnSpc>
-                <a:spcPct val="150000"/>
-              </a:lnSpc>
-              <a:buClrTx/>
-              <a:buSzPts val="1800"/>
-              <a:buFont typeface="Arial" panose="020B0604020202020204" pitchFamily="34" charset="0"/>
-              <a:buChar char="•"/>
-            </a:pPr>
-            <a:r>
-              <a:rPr lang="ko-KR" altLang="en-US" sz="1600" b="1" dirty="0">
-                <a:solidFill>
-                  <a:schemeClr val="tx1">
-                    <a:lumMod val="95000"/>
-                    <a:lumOff val="5000"/>
-                  </a:schemeClr>
-                </a:solidFill>
-              </a:rPr>
-              <a:t>음의 상관관계 </a:t>
-            </a:r>
-            <a:r>
-              <a:rPr lang="en-US" altLang="ko-KR" sz="1600" dirty="0">
-                <a:solidFill>
-                  <a:schemeClr val="tx1">
-                    <a:lumMod val="95000"/>
-                    <a:lumOff val="5000"/>
-                  </a:schemeClr>
-                </a:solidFill>
-              </a:rPr>
-              <a:t>: x</a:t>
-            </a:r>
-            <a:r>
-              <a:rPr lang="ko-KR" altLang="en-US" sz="1600" dirty="0">
-                <a:solidFill>
-                  <a:schemeClr val="tx1">
-                    <a:lumMod val="95000"/>
-                    <a:lumOff val="5000"/>
-                  </a:schemeClr>
-                </a:solidFill>
-              </a:rPr>
-              <a:t>값이 증가하면 </a:t>
-            </a:r>
-            <a:r>
-              <a:rPr lang="en-US" altLang="ko-KR" sz="1600" dirty="0">
-                <a:solidFill>
-                  <a:schemeClr val="tx1">
-                    <a:lumMod val="95000"/>
-                    <a:lumOff val="5000"/>
-                  </a:schemeClr>
-                </a:solidFill>
-              </a:rPr>
-              <a:t>y</a:t>
-            </a:r>
-            <a:r>
-              <a:rPr lang="ko-KR" altLang="en-US" sz="1600" dirty="0">
-                <a:solidFill>
-                  <a:schemeClr val="tx1">
-                    <a:lumMod val="95000"/>
-                    <a:lumOff val="5000"/>
-                  </a:schemeClr>
-                </a:solidFill>
-              </a:rPr>
-              <a:t>값은 감소할 경우</a:t>
-            </a:r>
-            <a:endParaRPr lang="en-US" altLang="ko-KR" sz="1600" dirty="0">
-              <a:solidFill>
-                <a:schemeClr val="tx1">
-                  <a:lumMod val="95000"/>
-                  <a:lumOff val="5000"/>
-                </a:schemeClr>
-              </a:solidFill>
-            </a:endParaRPr>
-          </a:p>
-          <a:p>
-            <a:pPr marL="400050" lvl="0" indent="-285750" algn="just">
-              <a:lnSpc>
-                <a:spcPct val="150000"/>
-              </a:lnSpc>
-              <a:buClrTx/>
-              <a:buSzPts val="1800"/>
-              <a:buFont typeface="Arial" panose="020B0604020202020204" pitchFamily="34" charset="0"/>
-              <a:buChar char="•"/>
-            </a:pPr>
-            <a:r>
-              <a:rPr lang="ko-KR" altLang="en-US" sz="1600" b="1" dirty="0">
-                <a:solidFill>
-                  <a:schemeClr val="tx1">
-                    <a:lumMod val="95000"/>
-                    <a:lumOff val="5000"/>
-                  </a:schemeClr>
-                </a:solidFill>
-              </a:rPr>
               <a:t>상관계수</a:t>
             </a:r>
             <a:r>
@@ -6263,7 +5907,7 @@
         </p:blipFill>
         <p:spPr>
           <a:xfrm>
-            <a:off x="264598" y="4196351"/>
+            <a:off x="264598" y="3805730"/>
             <a:ext cx="9412013" cy="2404612"/>
           </a:xfrm>
           <a:prstGeom prst="rect">
@@ -6285,7 +5929,7 @@
         </p:nvSpPr>
         <p:spPr>
           <a:xfrm>
-            <a:off x="8363919" y="2261350"/>
+            <a:off x="8363919" y="1702057"/>
             <a:ext cx="1012795" cy="319596"/>
           </a:xfrm>
           <a:prstGeom prst="ellipse">
@@ -6323,8 +5967,8 @@
           </a:p>
         </p:txBody>
       </p:sp>
-      <mc:AlternateContent xmlns:mc="http://schemas.openxmlformats.org/markup-compatibility/2006">
-        <mc:Choice xmlns:a14="http://schemas.microsoft.com/office/drawing/2010/main" Requires="a14">
+      <mc:AlternateContent xmlns:mc="http://schemas.openxmlformats.org/markup-compatibility/2006" xmlns:a14="http://schemas.microsoft.com/office/drawing/2010/main">
+        <mc:Choice Requires="a14">
           <p:sp>
             <p:nvSpPr>
               <p:cNvPr id="11" name="TextBox 10">
@@ -6339,7 +5983,7 @@
             </p:nvSpPr>
             <p:spPr>
               <a:xfrm>
-                <a:off x="2284354" y="2106137"/>
+                <a:off x="2284354" y="1546844"/>
                 <a:ext cx="4625885" cy="949619"/>
               </a:xfrm>
               <a:prstGeom prst="rect">
@@ -6353,6 +5997,7 @@
               </a:bodyPr>
               <a:lstStyle/>
               <a:p>
+                <a:pPr/>
                 <a14:m>
                   <m:oMathPara xmlns:m="http://schemas.openxmlformats.org/officeDocument/2006/math">
                     <m:oMathParaPr>
@@ -6621,7 +6266,7 @@
             </p:txBody>
           </p:sp>
         </mc:Choice>
-        <mc:Fallback>
+        <mc:Fallback xmlns="">
           <p:sp>
             <p:nvSpPr>
               <p:cNvPr id="11" name="TextBox 10">
@@ -6638,7 +6283,7 @@
             </p:nvSpPr>
             <p:spPr>
               <a:xfrm>
-                <a:off x="2284354" y="2106137"/>
+                <a:off x="2284354" y="1546844"/>
                 <a:ext cx="4625885" cy="949619"/>
               </a:xfrm>
               <a:prstGeom prst="rect">
@@ -7012,10 +6657,10 @@
       </p:sp>
       <p:pic>
         <p:nvPicPr>
-          <p:cNvPr id="3" name="그림 2">
+          <p:cNvPr id="4" name="그림 3">
             <a:extLst>
               <a:ext uri="{FF2B5EF4-FFF2-40B4-BE49-F238E27FC236}">
-                <a16:creationId xmlns:a16="http://schemas.microsoft.com/office/drawing/2014/main" id="{6DCAEC68-D453-4524-9F4A-0AE7D7D9255B}"/>
+                <a16:creationId xmlns:a16="http://schemas.microsoft.com/office/drawing/2014/main" id="{2C540483-0543-48D3-B851-D7B804F26003}"/>
               </a:ext>
             </a:extLst>
           </p:cNvPr>
@@ -7032,177 +6677,14 @@
         </p:blipFill>
         <p:spPr>
           <a:xfrm>
-            <a:off x="6148528" y="3505323"/>
-            <a:ext cx="3704442" cy="3060968"/>
+            <a:off x="745725" y="1483513"/>
+            <a:ext cx="4731797" cy="4428456"/>
           </a:xfrm>
           <a:prstGeom prst="rect">
             <a:avLst/>
           </a:prstGeom>
         </p:spPr>
       </p:pic>
-      <p:pic>
-        <p:nvPicPr>
-          <p:cNvPr id="4" name="그림 3">
-            <a:extLst>
-              <a:ext uri="{FF2B5EF4-FFF2-40B4-BE49-F238E27FC236}">
-                <a16:creationId xmlns:a16="http://schemas.microsoft.com/office/drawing/2014/main" id="{2C540483-0543-48D3-B851-D7B804F26003}"/>
-              </a:ext>
-            </a:extLst>
-          </p:cNvPr>
-          <p:cNvPicPr>
-            <a:picLocks noChangeAspect="1"/>
-          </p:cNvPicPr>
-          <p:nvPr/>
-        </p:nvPicPr>
-        <p:blipFill>
-          <a:blip r:embed="rId4"/>
-          <a:stretch>
-            <a:fillRect/>
-          </a:stretch>
-        </p:blipFill>
-        <p:spPr>
-          <a:xfrm>
-            <a:off x="6755908" y="782178"/>
-            <a:ext cx="2859523" cy="2636633"/>
-          </a:xfrm>
-          <a:prstGeom prst="rect">
-            <a:avLst/>
-          </a:prstGeom>
-        </p:spPr>
-      </p:pic>
-      <p:pic>
-        <p:nvPicPr>
-          <p:cNvPr id="6" name="그림 5">
-            <a:extLst>
-              <a:ext uri="{FF2B5EF4-FFF2-40B4-BE49-F238E27FC236}">
-                <a16:creationId xmlns:a16="http://schemas.microsoft.com/office/drawing/2014/main" id="{8DB16E43-421C-42D2-B6BA-F1AED5C380CB}"/>
-              </a:ext>
-            </a:extLst>
-          </p:cNvPr>
-          <p:cNvPicPr>
-            <a:picLocks noChangeAspect="1"/>
-          </p:cNvPicPr>
-          <p:nvPr/>
-        </p:nvPicPr>
-        <p:blipFill>
-          <a:blip r:embed="rId5"/>
-          <a:stretch>
-            <a:fillRect/>
-          </a:stretch>
-        </p:blipFill>
-        <p:spPr>
-          <a:xfrm>
-            <a:off x="221854" y="3664601"/>
-            <a:ext cx="5677692" cy="381053"/>
-          </a:xfrm>
-          <a:prstGeom prst="rect">
-            <a:avLst/>
-          </a:prstGeom>
-        </p:spPr>
-      </p:pic>
-      <p:sp>
-        <p:nvSpPr>
-          <p:cNvPr id="7" name="TextBox 6">
-            <a:extLst>
-              <a:ext uri="{FF2B5EF4-FFF2-40B4-BE49-F238E27FC236}">
-                <a16:creationId xmlns:a16="http://schemas.microsoft.com/office/drawing/2014/main" id="{5E6EE73F-7890-443E-B8A8-50BCC61C3DAE}"/>
-              </a:ext>
-            </a:extLst>
-          </p:cNvPr>
-          <p:cNvSpPr txBox="1"/>
-          <p:nvPr/>
-        </p:nvSpPr>
-        <p:spPr>
-          <a:xfrm>
-            <a:off x="292963" y="4332303"/>
-            <a:ext cx="3258105" cy="338554"/>
-          </a:xfrm>
-          <a:prstGeom prst="rect">
-            <a:avLst/>
-          </a:prstGeom>
-          <a:noFill/>
-        </p:spPr>
-        <p:txBody>
-          <a:bodyPr wrap="square" rtlCol="0">
-            <a:spAutoFit/>
-          </a:bodyPr>
-          <a:lstStyle/>
-          <a:p>
-            <a:pPr marL="285750" indent="-285750">
-              <a:buFont typeface="Arial" panose="020B0604020202020204" pitchFamily="34" charset="0"/>
-              <a:buChar char="•"/>
-            </a:pPr>
-            <a:r>
-              <a:rPr lang="ko-KR" altLang="en-US" sz="1600" dirty="0" err="1"/>
-              <a:t>특잇값에</a:t>
-            </a:r>
-            <a:r>
-              <a:rPr lang="ko-KR" altLang="en-US" sz="1600" dirty="0"/>
-              <a:t> </a:t>
-            </a:r>
-            <a:r>
-              <a:rPr lang="ko-KR" altLang="en-US" sz="1600" dirty="0" err="1"/>
-              <a:t>로버스트한</a:t>
-            </a:r>
-            <a:r>
-              <a:rPr lang="ko-KR" altLang="en-US" sz="1600" dirty="0"/>
-              <a:t> 상관관계</a:t>
-            </a:r>
-          </a:p>
-        </p:txBody>
-      </p:sp>
-      <p:sp>
-        <p:nvSpPr>
-          <p:cNvPr id="9" name="직사각형 8">
-            <a:extLst>
-              <a:ext uri="{FF2B5EF4-FFF2-40B4-BE49-F238E27FC236}">
-                <a16:creationId xmlns:a16="http://schemas.microsoft.com/office/drawing/2014/main" id="{CE2B0EE1-A00B-49B2-B85C-A5BCB374E191}"/>
-              </a:ext>
-            </a:extLst>
-          </p:cNvPr>
-          <p:cNvSpPr/>
-          <p:nvPr/>
-        </p:nvSpPr>
-        <p:spPr>
-          <a:xfrm>
-            <a:off x="1067340" y="3631355"/>
-            <a:ext cx="928120" cy="248189"/>
-          </a:xfrm>
-          <a:prstGeom prst="rect">
-            <a:avLst/>
-          </a:prstGeom>
-          <a:noFill/>
-          <a:ln>
-            <a:solidFill>
-              <a:srgbClr val="FF0000"/>
-            </a:solidFill>
-          </a:ln>
-        </p:spPr>
-        <p:style>
-          <a:lnRef idx="2">
-            <a:schemeClr val="accent1">
-              <a:shade val="50000"/>
-            </a:schemeClr>
-          </a:lnRef>
-          <a:fillRef idx="1">
-            <a:schemeClr val="accent1"/>
-          </a:fillRef>
-          <a:effectRef idx="0">
-            <a:schemeClr val="accent1"/>
-          </a:effectRef>
-          <a:fontRef idx="minor">
-            <a:schemeClr val="lt1"/>
-          </a:fontRef>
-        </p:style>
-        <p:txBody>
-          <a:bodyPr rtlCol="0" anchor="ctr"/>
-          <a:lstStyle/>
-          <a:p>
-            <a:pPr algn="ctr"/>
-            <a:endParaRPr lang="ko-KR" altLang="en-US"/>
-          </a:p>
-        </p:txBody>
-      </p:sp>
     </p:spTree>
     <p:extLst>
       <p:ext uri="{BB962C8B-B14F-4D97-AF65-F5344CB8AC3E}">

--- a/study/ppt/[스터디]1.6.1~1.7상관계수_KDH.pptx
+++ b/study/ppt/[스터디]1.6.1~1.7상관계수_KDH.pptx
@@ -8,9 +8,9 @@
     <p:notesMasterId r:id="rId5"/>
   </p:notesMasterIdLst>
   <p:sldIdLst>
-    <p:sldId id="256" r:id="rId2"/>
-    <p:sldId id="257" r:id="rId3"/>
-    <p:sldId id="258" r:id="rId4"/>
+    <p:sldId id="258" r:id="rId2"/>
+    <p:sldId id="256" r:id="rId3"/>
+    <p:sldId id="257" r:id="rId4"/>
   </p:sldIdLst>
   <p:sldSz cx="9906000" cy="6858000" type="A4"/>
   <p:notesSz cx="6858000" cy="9144000"/>
@@ -1677,6 +1677,11 @@
         </p:txBody>
       </p:sp>
     </p:spTree>
+    <p:extLst>
+      <p:ext uri="{BB962C8B-B14F-4D97-AF65-F5344CB8AC3E}">
+        <p14:creationId xmlns:p14="http://schemas.microsoft.com/office/powerpoint/2010/main" val="2611947288"/>
+      </p:ext>
+    </p:extLst>
   </p:cSld>
   <p:clrMapOvr>
     <a:masterClrMapping/>
@@ -1689,7 +1694,7 @@
   <p:cSld>
     <p:spTree>
       <p:nvGrpSpPr>
-        <p:cNvPr id="1" name="Shape 33"/>
+        <p:cNvPr id="1" name="Shape 24"/>
         <p:cNvGrpSpPr/>
         <p:nvPr/>
       </p:nvGrpSpPr>
@@ -1703,7 +1708,7 @@
       </p:grpSpPr>
       <p:sp>
         <p:nvSpPr>
-          <p:cNvPr id="34" name="Google Shape;34;g7fdcfe9825_0_1:notes"/>
+          <p:cNvPr id="25" name="Google Shape;25;p2:notes"/>
           <p:cNvSpPr>
             <a:spLocks noGrp="1" noRot="1" noChangeAspect="1"/>
           </p:cNvSpPr>
@@ -1754,7 +1759,7 @@
       </p:sp>
       <p:sp>
         <p:nvSpPr>
-          <p:cNvPr id="35" name="Google Shape;35;g7fdcfe9825_0_1:notes"/>
+          <p:cNvPr id="26" name="Google Shape;26;p2:notes"/>
           <p:cNvSpPr txBox="1">
             <a:spLocks noGrp="1"/>
           </p:cNvSpPr>
@@ -1765,7 +1770,7 @@
         <p:spPr>
           <a:xfrm>
             <a:off x="685800" y="4400550"/>
-            <a:ext cx="5486400" cy="3600600"/>
+            <a:ext cx="5486400" cy="3600450"/>
           </a:xfrm>
           <a:prstGeom prst="rect">
             <a:avLst/>
@@ -1808,7 +1813,7 @@
       </p:sp>
       <p:sp>
         <p:nvSpPr>
-          <p:cNvPr id="36" name="Google Shape;36;g7fdcfe9825_0_1:notes"/>
+          <p:cNvPr id="27" name="Google Shape;27;p2:notes"/>
           <p:cNvSpPr txBox="1">
             <a:spLocks noGrp="1"/>
           </p:cNvSpPr>
@@ -1819,7 +1824,7 @@
         <p:spPr>
           <a:xfrm>
             <a:off x="3884613" y="8685213"/>
-            <a:ext cx="2971800" cy="458700"/>
+            <a:ext cx="2971800" cy="458787"/>
           </a:xfrm>
           <a:prstGeom prst="rect">
             <a:avLst/>
@@ -2029,11 +2034,6 @@
         </p:txBody>
       </p:sp>
     </p:spTree>
-    <p:extLst>
-      <p:ext uri="{BB962C8B-B14F-4D97-AF65-F5344CB8AC3E}">
-        <p14:creationId xmlns:p14="http://schemas.microsoft.com/office/powerpoint/2010/main" val="4028507259"/>
-      </p:ext>
-    </p:extLst>
   </p:cSld>
   <p:clrMapOvr>
     <a:masterClrMapping/>
@@ -4095,6 +4095,36 @@
           <a:chExt cx="0" cy="0"/>
         </a:xfrm>
       </p:grpSpPr>
+      <p:pic>
+        <p:nvPicPr>
+          <p:cNvPr id="5" name="그림 4">
+            <a:extLst>
+              <a:ext uri="{FF2B5EF4-FFF2-40B4-BE49-F238E27FC236}">
+                <a16:creationId xmlns:a16="http://schemas.microsoft.com/office/drawing/2014/main" id="{5A54C15E-51FB-48C9-8F4A-68ACD5A5F22C}"/>
+              </a:ext>
+            </a:extLst>
+          </p:cNvPr>
+          <p:cNvPicPr>
+            <a:picLocks noChangeAspect="1"/>
+          </p:cNvPicPr>
+          <p:nvPr/>
+        </p:nvPicPr>
+        <p:blipFill>
+          <a:blip r:embed="rId3"/>
+          <a:stretch>
+            <a:fillRect/>
+          </a:stretch>
+        </p:blipFill>
+        <p:spPr>
+          <a:xfrm>
+            <a:off x="637848" y="3201235"/>
+            <a:ext cx="6802824" cy="2342916"/>
+          </a:xfrm>
+          <a:prstGeom prst="rect">
+            <a:avLst/>
+          </a:prstGeom>
+        </p:spPr>
+      </p:pic>
       <p:sp>
         <p:nvSpPr>
           <p:cNvPr id="29" name="Google Shape;29;p2"/>
@@ -4382,41 +4412,16 @@
                   </a:schemeClr>
                 </a:solidFill>
               </a:rPr>
-              <a:t>데이터에서 가장 자주 등장하는 값 혹은 값들</a:t>
+              <a:t>데이터에서 가장 자주 등장하는 값</a:t>
             </a:r>
-            <a:r>
-              <a:rPr lang="en-US" altLang="ko-KR" sz="1600" dirty="0">
-                <a:solidFill>
-                  <a:schemeClr val="tx1">
-                    <a:lumMod val="95000"/>
-                    <a:lumOff val="5000"/>
-                  </a:schemeClr>
-                </a:solidFill>
-              </a:rPr>
-              <a:t>(</a:t>
-            </a:r>
-            <a:r>
-              <a:rPr lang="ko-KR" altLang="en-US" sz="1600" dirty="0">
-                <a:solidFill>
-                  <a:schemeClr val="tx1">
-                    <a:lumMod val="95000"/>
-                    <a:lumOff val="5000"/>
-                  </a:schemeClr>
-                </a:solidFill>
-              </a:rPr>
-              <a:t>여러 값들의 최다 빈도수가 같을 경우</a:t>
-            </a:r>
-            <a:r>
-              <a:rPr lang="en-US" altLang="ko-KR" sz="1600" dirty="0">
-                <a:solidFill>
-                  <a:schemeClr val="tx1">
-                    <a:lumMod val="95000"/>
-                    <a:lumOff val="5000"/>
-                  </a:schemeClr>
-                </a:solidFill>
-              </a:rPr>
-              <a:t>)</a:t>
-            </a:r>
+            <a:endParaRPr lang="en-US" altLang="ko-KR" sz="1600" dirty="0">
+              <a:solidFill>
+                <a:schemeClr val="tx1">
+                  <a:lumMod val="95000"/>
+                  <a:lumOff val="5000"/>
+                </a:schemeClr>
+              </a:solidFill>
+            </a:endParaRPr>
           </a:p>
           <a:p>
             <a:pPr marL="400050" marR="0" lvl="0" indent="-285750" algn="just" rtl="0">
@@ -4528,7 +4533,7 @@
               <a:t>: </a:t>
             </a:r>
             <a:r>
-              <a:rPr lang="ko-KR" altLang="en-US" sz="1600" dirty="0" err="1">
+              <a:rPr lang="ko-KR" altLang="en-US" sz="1600" dirty="0">
                 <a:solidFill>
                   <a:schemeClr val="tx1">
                     <a:lumMod val="95000"/>
@@ -4536,73 +4541,7 @@
                   </a:schemeClr>
                 </a:solidFill>
               </a:rPr>
-              <a:t>기댓값은</a:t>
-            </a:r>
-            <a:r>
-              <a:rPr lang="ko-KR" altLang="en-US" sz="1600" dirty="0">
-                <a:solidFill>
-                  <a:schemeClr val="tx1">
-                    <a:lumMod val="95000"/>
-                    <a:lumOff val="5000"/>
-                  </a:schemeClr>
-                </a:solidFill>
-              </a:rPr>
-              <a:t> 어떤 값과 그 값이 일어날 확률을 서로 곱해서 더한 값을 의미한다</a:t>
-            </a:r>
-            <a:r>
-              <a:rPr lang="en-US" altLang="ko-KR" sz="1600" dirty="0">
-                <a:solidFill>
-                  <a:schemeClr val="tx1">
-                    <a:lumMod val="95000"/>
-                    <a:lumOff val="5000"/>
-                  </a:schemeClr>
-                </a:solidFill>
-              </a:rPr>
-              <a:t>. </a:t>
-            </a:r>
-            <a:r>
-              <a:rPr lang="ko-KR" altLang="en-US" sz="1600" dirty="0">
-                <a:solidFill>
-                  <a:schemeClr val="tx1">
-                    <a:lumMod val="95000"/>
-                    <a:lumOff val="5000"/>
-                  </a:schemeClr>
-                </a:solidFill>
-              </a:rPr>
-              <a:t>주로 요인변수의 수준을 요약하는데 사용한다</a:t>
-            </a:r>
-            <a:r>
-              <a:rPr lang="en-US" altLang="ko-KR" sz="1600" dirty="0">
-                <a:solidFill>
-                  <a:schemeClr val="tx1">
-                    <a:lumMod val="95000"/>
-                    <a:lumOff val="5000"/>
-                  </a:schemeClr>
-                </a:solidFill>
-              </a:rPr>
-              <a:t>. </a:t>
-            </a:r>
-            <a:r>
-              <a:rPr lang="ko-KR" altLang="en-US" sz="1600" dirty="0" err="1">
-                <a:solidFill>
-                  <a:schemeClr val="tx1">
-                    <a:lumMod val="95000"/>
-                    <a:lumOff val="5000"/>
-                  </a:schemeClr>
-                </a:solidFill>
-              </a:rPr>
-              <a:t>기댓값은</a:t>
-            </a:r>
-            <a:r>
-              <a:rPr lang="ko-KR" altLang="en-US" sz="1600" dirty="0">
-                <a:solidFill>
-                  <a:schemeClr val="tx1">
-                    <a:lumMod val="95000"/>
-                    <a:lumOff val="5000"/>
-                  </a:schemeClr>
-                </a:solidFill>
-              </a:rPr>
-              <a:t> 실제 사업 평가나 자본 예산에 가장 근본적인 토대가 된다</a:t>
+              <a:t>결과값과 확률을 곱한 값의 합</a:t>
             </a:r>
             <a:r>
               <a:rPr lang="en-US" altLang="ko-KR" sz="1600" dirty="0">
@@ -4617,667 +4556,13 @@
             </a:r>
           </a:p>
           <a:p>
-            <a:pPr marL="114300" marR="0" lvl="0" algn="just" rtl="0">
-              <a:lnSpc>
-                <a:spcPct val="150000"/>
-              </a:lnSpc>
-              <a:spcBef>
-                <a:spcPts val="0"/>
-              </a:spcBef>
-              <a:spcAft>
-                <a:spcPts val="0"/>
-              </a:spcAft>
-              <a:buClr>
-                <a:srgbClr val="0070C0"/>
-              </a:buClr>
-              <a:buSzPts val="1800"/>
-            </a:pPr>
-            <a:r>
-              <a:rPr lang="en-US" altLang="ko-KR" sz="1600" dirty="0">
-                <a:solidFill>
-                  <a:schemeClr val="tx1">
-                    <a:lumMod val="95000"/>
-                    <a:lumOff val="5000"/>
-                  </a:schemeClr>
-                </a:solidFill>
-              </a:rPr>
-              <a:t>	ex)</a:t>
-            </a:r>
-            <a:r>
-              <a:rPr lang="ko-KR" altLang="en-US" sz="1600" dirty="0">
-                <a:solidFill>
-                  <a:schemeClr val="tx1">
-                    <a:lumMod val="95000"/>
-                    <a:lumOff val="5000"/>
-                  </a:schemeClr>
-                </a:solidFill>
-              </a:rPr>
-              <a:t> 회사 참석자 </a:t>
-            </a:r>
-            <a:r>
-              <a:rPr lang="en-US" altLang="ko-KR" sz="1600" dirty="0">
-                <a:solidFill>
-                  <a:schemeClr val="tx1">
-                    <a:lumMod val="95000"/>
-                    <a:lumOff val="5000"/>
-                  </a:schemeClr>
-                </a:solidFill>
-              </a:rPr>
-              <a:t>5%</a:t>
-            </a:r>
-            <a:r>
-              <a:rPr lang="ko-KR" altLang="en-US" sz="1600" dirty="0">
-                <a:solidFill>
-                  <a:schemeClr val="tx1">
-                    <a:lumMod val="95000"/>
-                    <a:lumOff val="5000"/>
-                  </a:schemeClr>
-                </a:solidFill>
-              </a:rPr>
-              <a:t>는 </a:t>
-            </a:r>
-            <a:r>
-              <a:rPr lang="en-US" altLang="ko-KR" sz="1600" dirty="0">
-                <a:solidFill>
-                  <a:schemeClr val="tx1">
-                    <a:lumMod val="95000"/>
-                    <a:lumOff val="5000"/>
-                  </a:schemeClr>
-                </a:solidFill>
-              </a:rPr>
-              <a:t>30</a:t>
-            </a:r>
-            <a:r>
-              <a:rPr lang="ko-KR" altLang="en-US" sz="1600" dirty="0">
-                <a:solidFill>
-                  <a:schemeClr val="tx1">
-                    <a:lumMod val="95000"/>
-                    <a:lumOff val="5000"/>
-                  </a:schemeClr>
-                </a:solidFill>
-              </a:rPr>
-              <a:t>만 </a:t>
-            </a:r>
-            <a:r>
-              <a:rPr lang="ko-KR" altLang="en-US" sz="1600" dirty="0" err="1">
-                <a:solidFill>
-                  <a:schemeClr val="tx1">
-                    <a:lumMod val="95000"/>
-                    <a:lumOff val="5000"/>
-                  </a:schemeClr>
-                </a:solidFill>
-              </a:rPr>
-              <a:t>원짜리</a:t>
-            </a:r>
-            <a:r>
-              <a:rPr lang="ko-KR" altLang="en-US" sz="1600" dirty="0">
-                <a:solidFill>
-                  <a:schemeClr val="tx1">
-                    <a:lumMod val="95000"/>
-                    <a:lumOff val="5000"/>
-                  </a:schemeClr>
-                </a:solidFill>
-              </a:rPr>
-              <a:t> 상품</a:t>
-            </a:r>
-            <a:r>
-              <a:rPr lang="en-US" altLang="ko-KR" sz="1600" dirty="0">
-                <a:solidFill>
-                  <a:schemeClr val="tx1">
-                    <a:lumMod val="95000"/>
-                    <a:lumOff val="5000"/>
-                  </a:schemeClr>
-                </a:solidFill>
-              </a:rPr>
-              <a:t>, </a:t>
-            </a:r>
-            <a:r>
-              <a:rPr lang="ko-KR" altLang="en-US" sz="1600" dirty="0">
-                <a:solidFill>
-                  <a:schemeClr val="tx1">
-                    <a:lumMod val="95000"/>
-                    <a:lumOff val="5000"/>
-                  </a:schemeClr>
-                </a:solidFill>
-              </a:rPr>
-              <a:t>참석자 </a:t>
-            </a:r>
-            <a:r>
-              <a:rPr lang="en-US" altLang="ko-KR" sz="1600" dirty="0">
-                <a:solidFill>
-                  <a:schemeClr val="tx1">
-                    <a:lumMod val="95000"/>
-                    <a:lumOff val="5000"/>
-                  </a:schemeClr>
-                </a:solidFill>
-              </a:rPr>
-              <a:t>15%</a:t>
-            </a:r>
-            <a:r>
-              <a:rPr lang="ko-KR" altLang="en-US" sz="1600" dirty="0">
-                <a:solidFill>
-                  <a:schemeClr val="tx1">
-                    <a:lumMod val="95000"/>
-                    <a:lumOff val="5000"/>
-                  </a:schemeClr>
-                </a:solidFill>
-              </a:rPr>
-              <a:t>는 </a:t>
-            </a:r>
-            <a:r>
-              <a:rPr lang="en-US" altLang="ko-KR" sz="1600" dirty="0">
-                <a:solidFill>
-                  <a:schemeClr val="tx1">
-                    <a:lumMod val="95000"/>
-                    <a:lumOff val="5000"/>
-                  </a:schemeClr>
-                </a:solidFill>
-              </a:rPr>
-              <a:t>5</a:t>
-            </a:r>
-            <a:r>
-              <a:rPr lang="ko-KR" altLang="en-US" sz="1600" dirty="0">
-                <a:solidFill>
-                  <a:schemeClr val="tx1">
-                    <a:lumMod val="95000"/>
-                    <a:lumOff val="5000"/>
-                  </a:schemeClr>
-                </a:solidFill>
-              </a:rPr>
-              <a:t>만 </a:t>
-            </a:r>
-            <a:r>
-              <a:rPr lang="ko-KR" altLang="en-US" sz="1600" dirty="0" err="1">
-                <a:solidFill>
-                  <a:schemeClr val="tx1">
-                    <a:lumMod val="95000"/>
-                    <a:lumOff val="5000"/>
-                  </a:schemeClr>
-                </a:solidFill>
-              </a:rPr>
-              <a:t>원짜리</a:t>
-            </a:r>
-            <a:r>
-              <a:rPr lang="ko-KR" altLang="en-US" sz="1600" dirty="0">
-                <a:solidFill>
-                  <a:schemeClr val="tx1">
-                    <a:lumMod val="95000"/>
-                    <a:lumOff val="5000"/>
-                  </a:schemeClr>
-                </a:solidFill>
-              </a:rPr>
-              <a:t> 상품</a:t>
-            </a:r>
-            <a:r>
-              <a:rPr lang="en-US" altLang="ko-KR" sz="1600" dirty="0">
-                <a:solidFill>
-                  <a:schemeClr val="tx1">
-                    <a:lumMod val="95000"/>
-                    <a:lumOff val="5000"/>
-                  </a:schemeClr>
-                </a:solidFill>
-              </a:rPr>
-              <a:t>,80%</a:t>
-            </a:r>
-            <a:r>
-              <a:rPr lang="ko-KR" altLang="en-US" sz="1600" dirty="0">
-                <a:solidFill>
-                  <a:schemeClr val="tx1">
-                    <a:lumMod val="95000"/>
-                    <a:lumOff val="5000"/>
-                  </a:schemeClr>
-                </a:solidFill>
-              </a:rPr>
-              <a:t>는 </a:t>
-            </a:r>
-            <a:r>
-              <a:rPr lang="ko-KR" altLang="en-US" sz="1600" dirty="0" err="1">
-                <a:solidFill>
-                  <a:schemeClr val="tx1">
-                    <a:lumMod val="95000"/>
-                    <a:lumOff val="5000"/>
-                  </a:schemeClr>
-                </a:solidFill>
-              </a:rPr>
-              <a:t>어떤것도</a:t>
-            </a:r>
-            <a:r>
-              <a:rPr lang="ko-KR" altLang="en-US" sz="1600" dirty="0">
-                <a:solidFill>
-                  <a:schemeClr val="tx1">
-                    <a:lumMod val="95000"/>
-                    <a:lumOff val="5000"/>
-                  </a:schemeClr>
-                </a:solidFill>
-              </a:rPr>
-              <a:t> </a:t>
-            </a:r>
-            <a:r>
-              <a:rPr lang="en-US" altLang="ko-KR" sz="1600" dirty="0">
-                <a:solidFill>
-                  <a:schemeClr val="tx1">
-                    <a:lumMod val="95000"/>
-                    <a:lumOff val="5000"/>
-                  </a:schemeClr>
-                </a:solidFill>
-              </a:rPr>
-              <a:t>	</a:t>
-            </a:r>
-            <a:r>
-              <a:rPr lang="ko-KR" altLang="en-US" sz="1600" dirty="0">
-                <a:solidFill>
-                  <a:schemeClr val="tx1">
-                    <a:lumMod val="95000"/>
-                    <a:lumOff val="5000"/>
-                  </a:schemeClr>
-                </a:solidFill>
-              </a:rPr>
-              <a:t>가입하지 않음</a:t>
-            </a:r>
-            <a:r>
-              <a:rPr lang="en-US" altLang="ko-KR" sz="1600" dirty="0">
-                <a:solidFill>
-                  <a:schemeClr val="tx1">
-                    <a:lumMod val="95000"/>
-                    <a:lumOff val="5000"/>
-                  </a:schemeClr>
-                </a:solidFill>
-              </a:rPr>
-              <a:t>. </a:t>
-            </a:r>
-            <a:r>
-              <a:rPr lang="ko-KR" altLang="en-US" sz="1600" dirty="0">
-                <a:solidFill>
-                  <a:schemeClr val="tx1">
-                    <a:lumMod val="95000"/>
-                    <a:lumOff val="5000"/>
-                  </a:schemeClr>
-                </a:solidFill>
-              </a:rPr>
-              <a:t>참석자들의 </a:t>
-            </a:r>
-            <a:r>
-              <a:rPr lang="ko-KR" altLang="en-US" sz="1600" dirty="0" err="1">
-                <a:solidFill>
-                  <a:schemeClr val="tx1">
-                    <a:lumMod val="95000"/>
-                    <a:lumOff val="5000"/>
-                  </a:schemeClr>
-                </a:solidFill>
-              </a:rPr>
-              <a:t>기댓값</a:t>
-            </a:r>
-            <a:r>
-              <a:rPr lang="ko-KR" altLang="en-US" sz="1600" dirty="0">
-                <a:solidFill>
-                  <a:schemeClr val="tx1">
-                    <a:lumMod val="95000"/>
-                    <a:lumOff val="5000"/>
-                  </a:schemeClr>
-                </a:solidFill>
-              </a:rPr>
-              <a:t> </a:t>
-            </a:r>
-            <a:r>
-              <a:rPr lang="en-US" altLang="ko-KR" sz="1600" dirty="0">
-                <a:solidFill>
-                  <a:schemeClr val="tx1">
-                    <a:lumMod val="95000"/>
-                    <a:lumOff val="5000"/>
-                  </a:schemeClr>
-                </a:solidFill>
-              </a:rPr>
-              <a:t>22,500 EV</a:t>
-            </a:r>
-            <a:r>
-              <a:rPr lang="ko-KR" altLang="en-US" sz="1600" dirty="0">
-                <a:solidFill>
-                  <a:schemeClr val="tx1">
-                    <a:lumMod val="95000"/>
-                    <a:lumOff val="5000"/>
-                  </a:schemeClr>
-                </a:solidFill>
-              </a:rPr>
-              <a:t> </a:t>
-            </a:r>
-            <a:r>
-              <a:rPr lang="en-US" altLang="ko-KR" sz="1600" dirty="0">
-                <a:solidFill>
-                  <a:schemeClr val="tx1">
-                    <a:lumMod val="95000"/>
-                    <a:lumOff val="5000"/>
-                  </a:schemeClr>
-                </a:solidFill>
-              </a:rPr>
-              <a:t>=</a:t>
-            </a:r>
-            <a:r>
-              <a:rPr lang="ko-KR" altLang="en-US" sz="1600" dirty="0">
-                <a:solidFill>
-                  <a:schemeClr val="tx1">
-                    <a:lumMod val="95000"/>
-                    <a:lumOff val="5000"/>
-                  </a:schemeClr>
-                </a:solidFill>
-              </a:rPr>
-              <a:t> </a:t>
-            </a:r>
-            <a:r>
-              <a:rPr lang="en-US" altLang="ko-KR" sz="1600" dirty="0">
-                <a:solidFill>
-                  <a:schemeClr val="tx1">
-                    <a:lumMod val="95000"/>
-                    <a:lumOff val="5000"/>
-                  </a:schemeClr>
-                </a:solidFill>
-              </a:rPr>
-              <a:t>(0.05)(300)+(0.15)(50)+(800)(0) = 22.5</a:t>
-            </a:r>
-          </a:p>
-          <a:p>
-            <a:pPr marL="400050" marR="0" lvl="0" indent="-285750" algn="just" rtl="0">
-              <a:lnSpc>
-                <a:spcPct val="150000"/>
-              </a:lnSpc>
-              <a:spcBef>
-                <a:spcPts val="0"/>
-              </a:spcBef>
-              <a:spcAft>
-                <a:spcPts val="0"/>
-              </a:spcAft>
-              <a:buClr>
-                <a:srgbClr val="0070C0"/>
-              </a:buClr>
-              <a:buSzPts val="1800"/>
-              <a:buFont typeface="Arial" panose="020B0604020202020204" pitchFamily="34" charset="0"/>
-              <a:buChar char="•"/>
-            </a:pPr>
-            <a:endParaRPr lang="en-US" altLang="ko-KR" sz="1600" dirty="0">
-              <a:solidFill>
-                <a:schemeClr val="tx1">
-                  <a:lumMod val="95000"/>
-                  <a:lumOff val="5000"/>
-                </a:schemeClr>
-              </a:solidFill>
-            </a:endParaRPr>
-          </a:p>
-          <a:p>
-            <a:pPr marL="114300" marR="0" lvl="0" algn="just" rtl="0">
-              <a:lnSpc>
-                <a:spcPct val="150000"/>
-              </a:lnSpc>
-              <a:spcBef>
-                <a:spcPts val="0"/>
-              </a:spcBef>
-              <a:spcAft>
-                <a:spcPts val="0"/>
-              </a:spcAft>
-              <a:buClr>
-                <a:srgbClr val="0070C0"/>
-              </a:buClr>
-              <a:buSzPts val="1800"/>
-            </a:pPr>
-            <a:r>
-              <a:rPr lang="en-US" altLang="ko-KR" sz="2000" b="1" dirty="0">
-                <a:solidFill>
-                  <a:schemeClr val="tx1">
-                    <a:lumMod val="95000"/>
-                    <a:lumOff val="5000"/>
-                  </a:schemeClr>
-                </a:solidFill>
-              </a:rPr>
-              <a:t>1.7 </a:t>
-            </a:r>
-            <a:r>
-              <a:rPr lang="ko-KR" altLang="en-US" sz="2000" b="1" dirty="0">
-                <a:solidFill>
-                  <a:schemeClr val="tx1">
-                    <a:lumMod val="95000"/>
-                    <a:lumOff val="5000"/>
-                  </a:schemeClr>
-                </a:solidFill>
-              </a:rPr>
-              <a:t>상관관계</a:t>
-            </a:r>
-            <a:endParaRPr lang="en-US" altLang="ko-KR" sz="2000" b="1" dirty="0">
-              <a:solidFill>
-                <a:schemeClr val="tx1">
-                  <a:lumMod val="95000"/>
-                  <a:lumOff val="5000"/>
-                </a:schemeClr>
-              </a:solidFill>
-            </a:endParaRPr>
-          </a:p>
-          <a:p>
-            <a:pPr marL="400050" marR="0" lvl="0" indent="-285750" algn="just" rtl="0">
-              <a:lnSpc>
-                <a:spcPct val="150000"/>
-              </a:lnSpc>
-              <a:spcBef>
-                <a:spcPts val="0"/>
-              </a:spcBef>
-              <a:spcAft>
-                <a:spcPts val="0"/>
-              </a:spcAft>
-              <a:buClrTx/>
-              <a:buSzPts val="1800"/>
-              <a:buFont typeface="Arial" panose="020B0604020202020204" pitchFamily="34" charset="0"/>
-              <a:buChar char="•"/>
-            </a:pPr>
-            <a:r>
-              <a:rPr lang="ko-KR" altLang="en-US" sz="1600" b="1" dirty="0">
-                <a:solidFill>
-                  <a:schemeClr val="tx1">
-                    <a:lumMod val="95000"/>
-                    <a:lumOff val="5000"/>
-                  </a:schemeClr>
-                </a:solidFill>
-              </a:rPr>
-              <a:t>상관계수 </a:t>
-            </a:r>
-            <a:r>
-              <a:rPr lang="en-US" altLang="ko-KR" sz="1600" dirty="0">
-                <a:solidFill>
-                  <a:schemeClr val="tx1">
-                    <a:lumMod val="95000"/>
-                    <a:lumOff val="5000"/>
-                  </a:schemeClr>
-                </a:solidFill>
-              </a:rPr>
-              <a:t>: </a:t>
-            </a:r>
-            <a:r>
-              <a:rPr lang="ko-KR" altLang="en-US" sz="1600" dirty="0" err="1">
-                <a:solidFill>
-                  <a:schemeClr val="tx1">
-                    <a:lumMod val="95000"/>
-                    <a:lumOff val="5000"/>
-                  </a:schemeClr>
-                </a:solidFill>
-              </a:rPr>
-              <a:t>예측값과</a:t>
-            </a:r>
-            <a:r>
-              <a:rPr lang="ko-KR" altLang="en-US" sz="1600" dirty="0">
-                <a:solidFill>
-                  <a:schemeClr val="tx1">
-                    <a:lumMod val="95000"/>
-                    <a:lumOff val="5000"/>
-                  </a:schemeClr>
-                </a:solidFill>
-              </a:rPr>
-              <a:t> </a:t>
-            </a:r>
-            <a:r>
-              <a:rPr lang="ko-KR" altLang="en-US" sz="1600" dirty="0" err="1">
-                <a:solidFill>
-                  <a:schemeClr val="tx1">
-                    <a:lumMod val="95000"/>
-                    <a:lumOff val="5000"/>
-                  </a:schemeClr>
-                </a:solidFill>
-              </a:rPr>
-              <a:t>목푯값과의</a:t>
-            </a:r>
-            <a:r>
-              <a:rPr lang="ko-KR" altLang="en-US" sz="1600" dirty="0">
-                <a:solidFill>
-                  <a:schemeClr val="tx1">
-                    <a:lumMod val="95000"/>
-                    <a:lumOff val="5000"/>
-                  </a:schemeClr>
-                </a:solidFill>
-              </a:rPr>
-              <a:t> 상관관계</a:t>
-            </a:r>
-            <a:endParaRPr lang="en-US" altLang="ko-KR" sz="1600" b="1" dirty="0">
-              <a:solidFill>
-                <a:schemeClr val="tx1">
-                  <a:lumMod val="95000"/>
-                  <a:lumOff val="5000"/>
-                </a:schemeClr>
-              </a:solidFill>
-            </a:endParaRPr>
-          </a:p>
-          <a:p>
-            <a:pPr marL="400050" lvl="0" indent="-285750" algn="just">
+            <a:pPr marL="114300" algn="just">
               <a:lnSpc>
                 <a:spcPct val="150000"/>
               </a:lnSpc>
               <a:buClrTx/>
               <a:buSzPts val="1800"/>
-              <a:buFont typeface="Arial" panose="020B0604020202020204" pitchFamily="34" charset="0"/>
-              <a:buChar char="•"/>
             </a:pPr>
-            <a:r>
-              <a:rPr lang="ko-KR" altLang="en-US" sz="1600" b="1" dirty="0">
-                <a:solidFill>
-                  <a:schemeClr val="tx1">
-                    <a:lumMod val="95000"/>
-                    <a:lumOff val="5000"/>
-                  </a:schemeClr>
-                </a:solidFill>
-              </a:rPr>
-              <a:t>양의 상관관계 </a:t>
-            </a:r>
-            <a:r>
-              <a:rPr lang="en-US" altLang="ko-KR" sz="1600" dirty="0">
-                <a:solidFill>
-                  <a:schemeClr val="tx1">
-                    <a:lumMod val="95000"/>
-                    <a:lumOff val="5000"/>
-                  </a:schemeClr>
-                </a:solidFill>
-              </a:rPr>
-              <a:t>: x</a:t>
-            </a:r>
-            <a:r>
-              <a:rPr lang="ko-KR" altLang="en-US" sz="1600" dirty="0">
-                <a:solidFill>
-                  <a:schemeClr val="tx1">
-                    <a:lumMod val="95000"/>
-                    <a:lumOff val="5000"/>
-                  </a:schemeClr>
-                </a:solidFill>
-              </a:rPr>
-              <a:t>값이 증가하면 </a:t>
-            </a:r>
-            <a:r>
-              <a:rPr lang="en-US" altLang="ko-KR" sz="1600" dirty="0">
-                <a:solidFill>
-                  <a:schemeClr val="tx1">
-                    <a:lumMod val="95000"/>
-                    <a:lumOff val="5000"/>
-                  </a:schemeClr>
-                </a:solidFill>
-              </a:rPr>
-              <a:t>y</a:t>
-            </a:r>
-            <a:r>
-              <a:rPr lang="ko-KR" altLang="en-US" sz="1600" dirty="0">
-                <a:solidFill>
-                  <a:schemeClr val="tx1">
-                    <a:lumMod val="95000"/>
-                    <a:lumOff val="5000"/>
-                  </a:schemeClr>
-                </a:solidFill>
-              </a:rPr>
-              <a:t>값도 증가할 경우</a:t>
-            </a:r>
-            <a:endParaRPr lang="en-US" altLang="ko-KR" sz="1600" dirty="0">
-              <a:solidFill>
-                <a:schemeClr val="tx1">
-                  <a:lumMod val="95000"/>
-                  <a:lumOff val="5000"/>
-                </a:schemeClr>
-              </a:solidFill>
-            </a:endParaRPr>
-          </a:p>
-          <a:p>
-            <a:pPr marL="400050" lvl="0" indent="-285750" algn="just">
-              <a:lnSpc>
-                <a:spcPct val="150000"/>
-              </a:lnSpc>
-              <a:buClrTx/>
-              <a:buSzPts val="1800"/>
-              <a:buFont typeface="Arial" panose="020B0604020202020204" pitchFamily="34" charset="0"/>
-              <a:buChar char="•"/>
-            </a:pPr>
-            <a:r>
-              <a:rPr lang="ko-KR" altLang="en-US" sz="1600" b="1" dirty="0">
-                <a:solidFill>
-                  <a:schemeClr val="tx1">
-                    <a:lumMod val="95000"/>
-                    <a:lumOff val="5000"/>
-                  </a:schemeClr>
-                </a:solidFill>
-              </a:rPr>
-              <a:t>음의 상관관계 </a:t>
-            </a:r>
-            <a:r>
-              <a:rPr lang="en-US" altLang="ko-KR" sz="1600" dirty="0">
-                <a:solidFill>
-                  <a:schemeClr val="tx1">
-                    <a:lumMod val="95000"/>
-                    <a:lumOff val="5000"/>
-                  </a:schemeClr>
-                </a:solidFill>
-              </a:rPr>
-              <a:t>: x</a:t>
-            </a:r>
-            <a:r>
-              <a:rPr lang="ko-KR" altLang="en-US" sz="1600" dirty="0">
-                <a:solidFill>
-                  <a:schemeClr val="tx1">
-                    <a:lumMod val="95000"/>
-                    <a:lumOff val="5000"/>
-                  </a:schemeClr>
-                </a:solidFill>
-              </a:rPr>
-              <a:t>값이 증가하면 </a:t>
-            </a:r>
-            <a:r>
-              <a:rPr lang="en-US" altLang="ko-KR" sz="1600" dirty="0">
-                <a:solidFill>
-                  <a:schemeClr val="tx1">
-                    <a:lumMod val="95000"/>
-                    <a:lumOff val="5000"/>
-                  </a:schemeClr>
-                </a:solidFill>
-              </a:rPr>
-              <a:t>y</a:t>
-            </a:r>
-            <a:r>
-              <a:rPr lang="ko-KR" altLang="en-US" sz="1600" dirty="0">
-                <a:solidFill>
-                  <a:schemeClr val="tx1">
-                    <a:lumMod val="95000"/>
-                    <a:lumOff val="5000"/>
-                  </a:schemeClr>
-                </a:solidFill>
-              </a:rPr>
-              <a:t>값은 감소할 경우</a:t>
-            </a:r>
             <a:endParaRPr lang="en-US" altLang="ko-KR" sz="1600" dirty="0">
               <a:solidFill>
                 <a:schemeClr val="tx1">
@@ -5314,7 +4599,114 @@
           </a:p>
         </p:txBody>
       </p:sp>
+      <p:pic>
+        <p:nvPicPr>
+          <p:cNvPr id="2" name="그림 1">
+            <a:extLst>
+              <a:ext uri="{FF2B5EF4-FFF2-40B4-BE49-F238E27FC236}">
+                <a16:creationId xmlns:a16="http://schemas.microsoft.com/office/drawing/2014/main" id="{A99E208C-ADB0-4F1E-BC71-9E281B3849DF}"/>
+              </a:ext>
+            </a:extLst>
+          </p:cNvPr>
+          <p:cNvPicPr>
+            <a:picLocks noChangeAspect="1"/>
+          </p:cNvPicPr>
+          <p:nvPr/>
+        </p:nvPicPr>
+        <p:blipFill>
+          <a:blip r:embed="rId4"/>
+          <a:stretch>
+            <a:fillRect/>
+          </a:stretch>
+        </p:blipFill>
+        <p:spPr>
+          <a:xfrm>
+            <a:off x="7654419" y="4070412"/>
+            <a:ext cx="2173120" cy="914209"/>
+          </a:xfrm>
+          <a:prstGeom prst="rect">
+            <a:avLst/>
+          </a:prstGeom>
+        </p:spPr>
+      </p:pic>
+      <p:sp>
+        <p:nvSpPr>
+          <p:cNvPr id="8" name="TextBox 7">
+            <a:extLst>
+              <a:ext uri="{FF2B5EF4-FFF2-40B4-BE49-F238E27FC236}">
+                <a16:creationId xmlns:a16="http://schemas.microsoft.com/office/drawing/2014/main" id="{5941428D-01C6-4467-8412-482D4574501D}"/>
+              </a:ext>
+            </a:extLst>
+          </p:cNvPr>
+          <p:cNvSpPr txBox="1"/>
+          <p:nvPr/>
+        </p:nvSpPr>
+        <p:spPr>
+          <a:xfrm>
+            <a:off x="843379" y="5754852"/>
+            <a:ext cx="2796466" cy="338554"/>
+          </a:xfrm>
+          <a:prstGeom prst="rect">
+            <a:avLst/>
+          </a:prstGeom>
+          <a:noFill/>
+        </p:spPr>
+        <p:txBody>
+          <a:bodyPr wrap="square" rtlCol="0">
+            <a:spAutoFit/>
+          </a:bodyPr>
+          <a:lstStyle/>
+          <a:p>
+            <a:r>
+              <a:rPr lang="en-US" altLang="ko-KR" sz="1600" b="1" dirty="0"/>
+              <a:t>($10) * 0.5 + (-$8) * 0.5 = $1</a:t>
+            </a:r>
+            <a:endParaRPr lang="ko-KR" altLang="en-US" sz="1600" b="1" dirty="0"/>
+          </a:p>
+        </p:txBody>
+      </p:sp>
+      <p:sp>
+        <p:nvSpPr>
+          <p:cNvPr id="13" name="TextBox 12">
+            <a:extLst>
+              <a:ext uri="{FF2B5EF4-FFF2-40B4-BE49-F238E27FC236}">
+                <a16:creationId xmlns:a16="http://schemas.microsoft.com/office/drawing/2014/main" id="{DB32BFE7-9B53-49A2-9AC8-0409FA962E5A}"/>
+              </a:ext>
+            </a:extLst>
+          </p:cNvPr>
+          <p:cNvSpPr txBox="1"/>
+          <p:nvPr/>
+        </p:nvSpPr>
+        <p:spPr>
+          <a:xfrm>
+            <a:off x="4039260" y="5754852"/>
+            <a:ext cx="3495150" cy="338554"/>
+          </a:xfrm>
+          <a:prstGeom prst="rect">
+            <a:avLst/>
+          </a:prstGeom>
+          <a:noFill/>
+        </p:spPr>
+        <p:txBody>
+          <a:bodyPr wrap="square" rtlCol="0">
+            <a:spAutoFit/>
+          </a:bodyPr>
+          <a:lstStyle/>
+          <a:p>
+            <a:r>
+              <a:rPr lang="en-US" altLang="ko-KR" sz="1600" b="1" dirty="0"/>
+              <a:t>($10 - $6) * 0.5 + ($0-$6) * 0.5 = -$1</a:t>
+            </a:r>
+            <a:endParaRPr lang="ko-KR" altLang="en-US" sz="1600" b="1" dirty="0"/>
+          </a:p>
+        </p:txBody>
+      </p:sp>
     </p:spTree>
+    <p:extLst>
+      <p:ext uri="{BB962C8B-B14F-4D97-AF65-F5344CB8AC3E}">
+        <p14:creationId xmlns:p14="http://schemas.microsoft.com/office/powerpoint/2010/main" val="3555158126"/>
+      </p:ext>
+    </p:extLst>
   </p:cSld>
   <p:clrMapOvr>
     <a:masterClrMapping/>
@@ -5327,7 +4719,7 @@
   <p:cSld>
     <p:spTree>
       <p:nvGrpSpPr>
-        <p:cNvPr id="1" name="Shape 37"/>
+        <p:cNvPr id="1" name="Shape 28"/>
         <p:cNvGrpSpPr/>
         <p:nvPr/>
       </p:nvGrpSpPr>
@@ -5339,108 +4731,16 @@
           <a:chExt cx="0" cy="0"/>
         </a:xfrm>
       </p:grpSpPr>
-      <p:pic>
-        <p:nvPicPr>
-          <p:cNvPr id="3" name="그림 2">
-            <a:extLst>
-              <a:ext uri="{FF2B5EF4-FFF2-40B4-BE49-F238E27FC236}">
-                <a16:creationId xmlns:a16="http://schemas.microsoft.com/office/drawing/2014/main" id="{98C4CB7E-FFEF-443A-BA0A-1B5E4C77E8AC}"/>
-              </a:ext>
-            </a:extLst>
-          </p:cNvPr>
-          <p:cNvPicPr>
-            <a:picLocks noChangeAspect="1"/>
-          </p:cNvPicPr>
-          <p:nvPr/>
-        </p:nvPicPr>
-        <p:blipFill>
-          <a:blip r:embed="rId3"/>
-          <a:stretch>
-            <a:fillRect/>
-          </a:stretch>
-        </p:blipFill>
-        <p:spPr>
-          <a:xfrm>
-            <a:off x="6659796" y="1220335"/>
-            <a:ext cx="3003570" cy="1276128"/>
-          </a:xfrm>
-          <a:prstGeom prst="rect">
-            <a:avLst/>
-          </a:prstGeom>
-        </p:spPr>
-      </p:pic>
       <p:sp>
         <p:nvSpPr>
-          <p:cNvPr id="38" name="Google Shape;38;g7fdcfe9825_0_1"/>
-          <p:cNvSpPr txBox="1"/>
-          <p:nvPr/>
-        </p:nvSpPr>
-        <p:spPr>
-          <a:xfrm>
-            <a:off x="221854" y="183215"/>
-            <a:ext cx="4125000" cy="369300"/>
-          </a:xfrm>
-          <a:prstGeom prst="rect">
-            <a:avLst/>
-          </a:prstGeom>
-          <a:noFill/>
-          <a:ln>
-            <a:noFill/>
-          </a:ln>
-        </p:spPr>
-        <p:txBody>
-          <a:bodyPr spcFirstLastPara="1" wrap="square" lIns="91425" tIns="45700" rIns="91425" bIns="45700" anchor="t" anchorCtr="0">
-            <a:noAutofit/>
-          </a:bodyPr>
-          <a:lstStyle/>
-          <a:p>
-            <a:pPr marL="0" marR="0" lvl="0" indent="0" algn="l" rtl="0">
-              <a:spcBef>
-                <a:spcPts val="0"/>
-              </a:spcBef>
-              <a:spcAft>
-                <a:spcPts val="0"/>
-              </a:spcAft>
-              <a:buNone/>
-            </a:pPr>
-            <a:r>
-              <a:rPr lang="ko-KR" sz="1800" b="1" dirty="0">
-                <a:solidFill>
-                  <a:schemeClr val="dk1"/>
-                </a:solidFill>
-              </a:rPr>
-              <a:t>1.</a:t>
-            </a:r>
-            <a:r>
-              <a:rPr lang="en-US" altLang="ko-KR" sz="1800" b="1" dirty="0">
-                <a:solidFill>
-                  <a:schemeClr val="dk1"/>
-                </a:solidFill>
-              </a:rPr>
-              <a:t>7 </a:t>
-            </a:r>
-            <a:r>
-              <a:rPr lang="ko-KR" altLang="en-US" sz="1800" b="1" dirty="0">
-                <a:solidFill>
-                  <a:schemeClr val="dk1"/>
-                </a:solidFill>
-              </a:rPr>
-              <a:t>상관관계</a:t>
-            </a:r>
-            <a:endParaRPr dirty="0"/>
-          </a:p>
-        </p:txBody>
-      </p:sp>
-      <p:sp>
-        <p:nvSpPr>
-          <p:cNvPr id="39" name="Google Shape;39;g7fdcfe9825_0_1"/>
+          <p:cNvPr id="29" name="Google Shape;29;p2"/>
           <p:cNvSpPr txBox="1"/>
           <p:nvPr/>
         </p:nvSpPr>
         <p:spPr>
           <a:xfrm>
             <a:off x="9253406" y="200997"/>
-            <a:ext cx="530700" cy="296700"/>
+            <a:ext cx="530727" cy="296664"/>
           </a:xfrm>
           <a:prstGeom prst="rect">
             <a:avLst/>
@@ -5489,82 +4789,115 @@
           </a:p>
         </p:txBody>
       </p:sp>
-      <p:grpSp>
-        <p:nvGrpSpPr>
-          <p:cNvPr id="40" name="Google Shape;40;g7fdcfe9825_0_1"/>
-          <p:cNvGrpSpPr/>
-          <p:nvPr/>
-        </p:nvGrpSpPr>
-        <p:grpSpPr>
-          <a:xfrm>
-            <a:off x="8127" y="688268"/>
-            <a:ext cx="9844843" cy="549723"/>
-            <a:chOff x="130837" y="336688"/>
-            <a:chExt cx="3814500" cy="558662"/>
-          </a:xfrm>
-        </p:grpSpPr>
-        <p:cxnSp>
-          <p:nvCxnSpPr>
-            <p:cNvPr id="41" name="Google Shape;41;g7fdcfe9825_0_1"/>
-            <p:cNvCxnSpPr/>
-            <p:nvPr/>
-          </p:nvCxnSpPr>
-          <p:spPr>
-            <a:xfrm rot="10800000">
-              <a:off x="130837" y="336688"/>
-              <a:ext cx="3814500" cy="0"/>
-            </a:xfrm>
-            <a:prstGeom prst="straightConnector1">
-              <a:avLst/>
-            </a:prstGeom>
-            <a:solidFill>
-              <a:srgbClr val="0066FF"/>
-            </a:solidFill>
-            <a:ln w="9525" cap="flat" cmpd="sng">
-              <a:noFill/>
-              <a:prstDash val="solid"/>
-              <a:round/>
-              <a:headEnd type="none" w="sm" len="sm"/>
-              <a:tailEnd type="none" w="sm" len="sm"/>
-            </a:ln>
-          </p:spPr>
-        </p:cxnSp>
-        <p:cxnSp>
-          <p:nvCxnSpPr>
-            <p:cNvPr id="42" name="Google Shape;42;g7fdcfe9825_0_1"/>
-            <p:cNvCxnSpPr/>
-            <p:nvPr/>
-          </p:nvCxnSpPr>
-          <p:spPr>
-            <a:xfrm rot="10800000">
-              <a:off x="130837" y="895350"/>
-              <a:ext cx="3814500" cy="0"/>
-            </a:xfrm>
-            <a:prstGeom prst="straightConnector1">
-              <a:avLst/>
-            </a:prstGeom>
-            <a:solidFill>
-              <a:srgbClr val="0066FF"/>
-            </a:solidFill>
-            <a:ln w="9525" cap="flat" cmpd="sng">
-              <a:noFill/>
-              <a:prstDash val="solid"/>
-              <a:round/>
-              <a:headEnd type="none" w="sm" len="sm"/>
-              <a:tailEnd type="none" w="sm" len="sm"/>
-            </a:ln>
-          </p:spPr>
-        </p:cxnSp>
-      </p:grpSp>
       <p:sp>
         <p:nvSpPr>
-          <p:cNvPr id="43" name="Google Shape;43;g7fdcfe9825_0_1"/>
+          <p:cNvPr id="30" name="Google Shape;30;p2"/>
+          <p:cNvSpPr txBox="1"/>
+          <p:nvPr/>
+        </p:nvSpPr>
+        <p:spPr>
+          <a:xfrm>
+            <a:off x="278116" y="156948"/>
+            <a:ext cx="8910300" cy="831000"/>
+          </a:xfrm>
+          <a:prstGeom prst="rect">
+            <a:avLst/>
+          </a:prstGeom>
+          <a:noFill/>
+          <a:ln>
+            <a:noFill/>
+          </a:ln>
+        </p:spPr>
+        <p:txBody>
+          <a:bodyPr spcFirstLastPara="1" wrap="square" lIns="91425" tIns="45700" rIns="91425" bIns="45700" anchor="t" anchorCtr="0">
+            <a:noAutofit/>
+          </a:bodyPr>
+          <a:lstStyle/>
+          <a:p>
+            <a:pPr marL="0" marR="0" lvl="0" indent="0" algn="ctr" rtl="0">
+              <a:spcBef>
+                <a:spcPts val="0"/>
+              </a:spcBef>
+              <a:spcAft>
+                <a:spcPts val="0"/>
+              </a:spcAft>
+              <a:buNone/>
+            </a:pPr>
+            <a:r>
+              <a:rPr lang="ko-KR" sz="1800" dirty="0">
+                <a:solidFill>
+                  <a:schemeClr val="dk1"/>
+                </a:solidFill>
+              </a:rPr>
+              <a:t>데이터 과학을 위한 통계  - 발표자: </a:t>
+            </a:r>
+            <a:r>
+              <a:rPr lang="ko-KR" altLang="en-US" sz="1800" dirty="0">
+                <a:solidFill>
+                  <a:schemeClr val="dk1"/>
+                </a:solidFill>
+              </a:rPr>
+              <a:t>김동현</a:t>
+            </a:r>
+            <a:endParaRPr sz="1800" dirty="0"/>
+          </a:p>
+        </p:txBody>
+      </p:sp>
+      <p:sp>
+        <p:nvSpPr>
+          <p:cNvPr id="31" name="Google Shape;31;p2"/>
+          <p:cNvSpPr txBox="1"/>
+          <p:nvPr/>
+        </p:nvSpPr>
+        <p:spPr>
+          <a:xfrm>
+            <a:off x="221845" y="640425"/>
+            <a:ext cx="9500100" cy="369300"/>
+          </a:xfrm>
+          <a:prstGeom prst="rect">
+            <a:avLst/>
+          </a:prstGeom>
+          <a:noFill/>
+          <a:ln>
+            <a:noFill/>
+          </a:ln>
+        </p:spPr>
+        <p:txBody>
+          <a:bodyPr spcFirstLastPara="1" wrap="square" lIns="91425" tIns="45700" rIns="91425" bIns="45700" anchor="t" anchorCtr="0">
+            <a:noAutofit/>
+          </a:bodyPr>
+          <a:lstStyle/>
+          <a:p>
+            <a:pPr marL="0" marR="0" lvl="0" indent="0" algn="ctr" rtl="0">
+              <a:spcBef>
+                <a:spcPts val="0"/>
+              </a:spcBef>
+              <a:spcAft>
+                <a:spcPts val="0"/>
+              </a:spcAft>
+              <a:buNone/>
+            </a:pPr>
+            <a:r>
+              <a:rPr lang="ko-KR" sz="1800" b="1">
+                <a:solidFill>
+                  <a:schemeClr val="dk1"/>
+                </a:solidFill>
+              </a:rPr>
+              <a:t>Chapter 1. 탐색적 데이터 분석</a:t>
+            </a:r>
+            <a:endParaRPr/>
+          </a:p>
+        </p:txBody>
+      </p:sp>
+      <p:sp>
+        <p:nvSpPr>
+          <p:cNvPr id="32" name="Google Shape;32;p2"/>
           <p:cNvSpPr/>
           <p:nvPr/>
         </p:nvSpPr>
         <p:spPr>
           <a:xfrm>
-            <a:off x="9314" y="782178"/>
+            <a:off x="-62261" y="930518"/>
             <a:ext cx="9889800" cy="369300"/>
           </a:xfrm>
           <a:prstGeom prst="rect">
@@ -5581,10 +4914,55 @@
           </a:bodyPr>
           <a:lstStyle/>
           <a:p>
-            <a:pPr marL="400050" lvl="0" indent="-285750" algn="just">
+            <a:pPr marL="114300" algn="just">
               <a:lnSpc>
                 <a:spcPct val="150000"/>
               </a:lnSpc>
+              <a:buClrTx/>
+              <a:buSzPts val="1800"/>
+            </a:pPr>
+            <a:r>
+              <a:rPr lang="en-US" altLang="ko-KR" sz="2000" b="1" dirty="0">
+                <a:solidFill>
+                  <a:schemeClr val="tx1">
+                    <a:lumMod val="95000"/>
+                    <a:lumOff val="5000"/>
+                  </a:schemeClr>
+                </a:solidFill>
+              </a:rPr>
+              <a:t>1.7 </a:t>
+            </a:r>
+            <a:r>
+              <a:rPr lang="ko-KR" altLang="en-US" sz="2000" b="1" dirty="0">
+                <a:solidFill>
+                  <a:schemeClr val="tx1">
+                    <a:lumMod val="95000"/>
+                    <a:lumOff val="5000"/>
+                  </a:schemeClr>
+                </a:solidFill>
+              </a:rPr>
+              <a:t>상관관계</a:t>
+            </a:r>
+            <a:endParaRPr lang="en-US" altLang="ko-KR" sz="2000" b="1" dirty="0">
+              <a:solidFill>
+                <a:schemeClr val="tx1">
+                  <a:lumMod val="95000"/>
+                  <a:lumOff val="5000"/>
+                </a:schemeClr>
+              </a:solidFill>
+            </a:endParaRPr>
+          </a:p>
+          <a:p>
+            <a:pPr marL="400050" marR="0" lvl="0" indent="-285750" algn="just" rtl="0">
+              <a:lnSpc>
+                <a:spcPct val="150000"/>
+              </a:lnSpc>
+              <a:spcBef>
+                <a:spcPts val="0"/>
+              </a:spcBef>
+              <a:spcAft>
+                <a:spcPts val="0"/>
+              </a:spcAft>
               <a:buClrTx/>
               <a:buSzPts val="1800"/>
               <a:buFont typeface="Arial" panose="020B0604020202020204" pitchFamily="34" charset="0"/>
@@ -5599,62 +4977,7 @@
                   </a:schemeClr>
                 </a:solidFill>
               </a:rPr>
-              <a:t>상관계수</a:t>
-            </a:r>
-            <a:r>
-              <a:rPr lang="en-US" altLang="ko-KR" sz="1600" b="1" dirty="0">
-                <a:solidFill>
-                  <a:schemeClr val="tx1">
-                    <a:lumMod val="95000"/>
-                    <a:lumOff val="5000"/>
-                  </a:schemeClr>
-                </a:solidFill>
-              </a:rPr>
-              <a:t>(</a:t>
-            </a:r>
-            <a:r>
-              <a:rPr lang="ko-KR" altLang="en-US" sz="1600" b="1" dirty="0" err="1">
-                <a:solidFill>
-                  <a:schemeClr val="tx1">
-                    <a:lumMod val="95000"/>
-                    <a:lumOff val="5000"/>
-                  </a:schemeClr>
-                </a:solidFill>
-              </a:rPr>
-              <a:t>피어슨</a:t>
-            </a:r>
-            <a:r>
-              <a:rPr lang="ko-KR" altLang="en-US" sz="1600" b="1" dirty="0">
-                <a:solidFill>
-                  <a:schemeClr val="tx1">
-                    <a:lumMod val="95000"/>
-                    <a:lumOff val="5000"/>
-                  </a:schemeClr>
-                </a:solidFill>
-              </a:rPr>
-              <a:t> 상관계수</a:t>
-            </a:r>
-            <a:r>
-              <a:rPr lang="en-US" altLang="ko-KR" sz="1600" b="1" dirty="0">
-                <a:solidFill>
-                  <a:schemeClr val="tx1">
-                    <a:lumMod val="95000"/>
-                    <a:lumOff val="5000"/>
-                  </a:schemeClr>
-                </a:solidFill>
-              </a:rPr>
-              <a:t>)</a:t>
-            </a:r>
-            <a:r>
-              <a:rPr lang="ko-KR" altLang="en-US" sz="1600" dirty="0">
-                <a:solidFill>
-                  <a:schemeClr val="tx1">
-                    <a:lumMod val="95000"/>
-                    <a:lumOff val="5000"/>
-                  </a:schemeClr>
-                </a:solidFill>
-              </a:rPr>
-              <a:t> </a:t>
+              <a:t>상관관계 </a:t>
             </a:r>
             <a:r>
               <a:rPr lang="en-US" altLang="ko-KR" sz="1600" dirty="0">
@@ -5676,65 +4999,8 @@
                   </a:schemeClr>
                 </a:solidFill>
               </a:rPr>
-              <a:t>수치적 변수들 간에 어떤 관계가 있는지를 나타내기 위해 사용되는 </a:t>
+              <a:t>두 변수 간의 관계</a:t>
             </a:r>
-            <a:r>
-              <a:rPr lang="ko-KR" altLang="en-US" sz="1600" dirty="0" err="1">
-                <a:solidFill>
-                  <a:schemeClr val="tx1">
-                    <a:lumMod val="95000"/>
-                    <a:lumOff val="5000"/>
-                  </a:schemeClr>
-                </a:solidFill>
-              </a:rPr>
-              <a:t>측정량</a:t>
-            </a:r>
-            <a:r>
-              <a:rPr lang="en-US" altLang="ko-KR" sz="1600" dirty="0">
-                <a:solidFill>
-                  <a:schemeClr val="tx1">
-                    <a:lumMod val="95000"/>
-                    <a:lumOff val="5000"/>
-                  </a:schemeClr>
-                </a:solidFill>
-              </a:rPr>
-              <a:t>(-1~+1</a:t>
-            </a:r>
-            <a:r>
-              <a:rPr lang="ko-KR" altLang="en-US" sz="1600" dirty="0">
-                <a:solidFill>
-                  <a:schemeClr val="tx1">
-                    <a:lumMod val="95000"/>
-                    <a:lumOff val="5000"/>
-                  </a:schemeClr>
-                </a:solidFill>
-              </a:rPr>
-              <a:t>까지의 범위</a:t>
-            </a:r>
-            <a:r>
-              <a:rPr lang="en-US" altLang="ko-KR" sz="1600" dirty="0">
-                <a:solidFill>
-                  <a:schemeClr val="tx1">
-                    <a:lumMod val="95000"/>
-                    <a:lumOff val="5000"/>
-                  </a:schemeClr>
-                </a:solidFill>
-              </a:rPr>
-              <a:t>)</a:t>
-            </a:r>
-          </a:p>
-          <a:p>
-            <a:pPr marL="400050" lvl="0" indent="-285750" algn="just">
-              <a:lnSpc>
-                <a:spcPct val="150000"/>
-              </a:lnSpc>
-              <a:buClr>
-                <a:srgbClr val="0070C0"/>
-              </a:buClr>
-              <a:buSzPts val="1800"/>
-              <a:buFont typeface="Arial" panose="020B0604020202020204" pitchFamily="34" charset="0"/>
-              <a:buChar char="•"/>
-            </a:pPr>
             <a:endParaRPr lang="en-US" altLang="ko-KR" sz="1600" dirty="0">
               <a:solidFill>
                 <a:schemeClr val="tx1">
@@ -5745,15 +5011,54 @@
             </a:endParaRPr>
           </a:p>
           <a:p>
-            <a:pPr marL="114300" lvl="0" algn="just">
+            <a:pPr marL="400050" marR="0" lvl="0" indent="-285750" algn="just" rtl="0">
               <a:lnSpc>
                 <a:spcPct val="150000"/>
               </a:lnSpc>
-              <a:buClr>
-                <a:srgbClr val="0070C0"/>
-              </a:buClr>
+              <a:spcBef>
+                <a:spcPts val="0"/>
+              </a:spcBef>
+              <a:spcAft>
+                <a:spcPts val="0"/>
+              </a:spcAft>
+              <a:buClrTx/>
               <a:buSzPts val="1800"/>
+              <a:buFont typeface="Arial" panose="020B0604020202020204" pitchFamily="34" charset="0"/>
+              <a:buChar char="•"/>
             </a:pPr>
+            <a:r>
+              <a:rPr lang="ko-KR" altLang="en-US" sz="1600" b="1" dirty="0">
+                <a:solidFill>
+                  <a:schemeClr val="tx1">
+                    <a:lumMod val="95000"/>
+                    <a:lumOff val="5000"/>
+                  </a:schemeClr>
+                </a:solidFill>
+              </a:rPr>
+              <a:t>상관계수 </a:t>
+            </a:r>
+            <a:r>
+              <a:rPr lang="en-US" altLang="ko-KR" sz="1600" dirty="0">
+                <a:solidFill>
+                  <a:schemeClr val="tx1">
+                    <a:lumMod val="95000"/>
+                    <a:lumOff val="5000"/>
+                  </a:schemeClr>
+                </a:solidFill>
+              </a:rPr>
+              <a:t>: </a:t>
+            </a:r>
+            <a:r>
+              <a:rPr lang="ko-KR" altLang="en-US" sz="1600" dirty="0">
+                <a:solidFill>
+                  <a:schemeClr val="tx1">
+                    <a:lumMod val="95000"/>
+                    <a:lumOff val="5000"/>
+                  </a:schemeClr>
+                </a:solidFill>
+              </a:rPr>
+              <a:t>상관관계의 방향과 강도까지 표현한 통계량</a:t>
+            </a:r>
             <a:endParaRPr lang="en-US" altLang="ko-KR" sz="1600" dirty="0">
               <a:solidFill>
                 <a:schemeClr val="tx1">
@@ -5764,18 +5069,22 @@
             </a:endParaRPr>
           </a:p>
           <a:p>
-            <a:pPr marL="400050" lvl="0" indent="-285750" algn="just">
+            <a:pPr marL="114300" marR="0" lvl="0" algn="just" rtl="0">
               <a:lnSpc>
                 <a:spcPct val="150000"/>
               </a:lnSpc>
+              <a:spcBef>
+                <a:spcPts val="0"/>
+              </a:spcBef>
+              <a:spcAft>
+                <a:spcPts val="0"/>
+              </a:spcAft>
               <a:buClr>
                 <a:srgbClr val="0070C0"/>
               </a:buClr>
               <a:buSzPts val="1800"/>
-              <a:buFont typeface="Arial" panose="020B0604020202020204" pitchFamily="34" charset="0"/>
-              <a:buChar char="•"/>
             </a:pPr>
-            <a:endParaRPr lang="en-US" altLang="ko-KR" sz="1600" dirty="0">
+            <a:endParaRPr lang="en-US" altLang="ko-KR" sz="1800" b="1" dirty="0">
               <a:solidFill>
                 <a:schemeClr val="tx1">
                   <a:lumMod val="95000"/>
@@ -5784,113 +5093,88 @@
               </a:solidFill>
             </a:endParaRPr>
           </a:p>
+        </p:txBody>
+      </p:sp>
+      <p:pic>
+        <p:nvPicPr>
+          <p:cNvPr id="3" name="그림 2">
+            <a:extLst>
+              <a:ext uri="{FF2B5EF4-FFF2-40B4-BE49-F238E27FC236}">
+                <a16:creationId xmlns:a16="http://schemas.microsoft.com/office/drawing/2014/main" id="{18DBE15F-D649-484A-B74C-456A5B0EE0FA}"/>
+              </a:ext>
+            </a:extLst>
+          </p:cNvPr>
+          <p:cNvPicPr>
+            <a:picLocks noChangeAspect="1"/>
+          </p:cNvPicPr>
+          <p:nvPr/>
+        </p:nvPicPr>
+        <p:blipFill>
+          <a:blip r:embed="rId3"/>
+          <a:stretch>
+            <a:fillRect/>
+          </a:stretch>
+        </p:blipFill>
+        <p:spPr>
+          <a:xfrm>
+            <a:off x="221845" y="2409434"/>
+            <a:ext cx="5497641" cy="1384185"/>
+          </a:xfrm>
+          <a:prstGeom prst="rect">
+            <a:avLst/>
+          </a:prstGeom>
+        </p:spPr>
+      </p:pic>
+      <p:sp>
+        <p:nvSpPr>
+          <p:cNvPr id="4" name="TextBox 3">
+            <a:extLst>
+              <a:ext uri="{FF2B5EF4-FFF2-40B4-BE49-F238E27FC236}">
+                <a16:creationId xmlns:a16="http://schemas.microsoft.com/office/drawing/2014/main" id="{30ED8966-AD90-46AA-BD20-D6EEA073FA5E}"/>
+              </a:ext>
+            </a:extLst>
+          </p:cNvPr>
+          <p:cNvSpPr txBox="1"/>
+          <p:nvPr/>
+        </p:nvSpPr>
+        <p:spPr>
+          <a:xfrm>
+            <a:off x="5405652" y="2097564"/>
+            <a:ext cx="4113117" cy="523220"/>
+          </a:xfrm>
+          <a:prstGeom prst="rect">
+            <a:avLst/>
+          </a:prstGeom>
+          <a:noFill/>
+        </p:spPr>
+        <p:txBody>
+          <a:bodyPr wrap="square" rtlCol="0">
+            <a:spAutoFit/>
+          </a:bodyPr>
+          <a:lstStyle/>
           <a:p>
-            <a:pPr marL="400050" lvl="0" indent="-285750" algn="just">
-              <a:lnSpc>
-                <a:spcPct val="150000"/>
-              </a:lnSpc>
-              <a:buClrTx/>
-              <a:buSzPts val="1800"/>
-              <a:buFont typeface="Arial" panose="020B0604020202020204" pitchFamily="34" charset="0"/>
-              <a:buChar char="•"/>
-            </a:pPr>
             <a:r>
-              <a:rPr lang="ko-KR" altLang="en-US" sz="1600" b="1" dirty="0">
-                <a:solidFill>
-                  <a:schemeClr val="tx1">
-                    <a:lumMod val="95000"/>
-                    <a:lumOff val="5000"/>
-                  </a:schemeClr>
-                </a:solidFill>
-              </a:rPr>
-              <a:t>상관행렬</a:t>
+              <a:rPr lang="en-US" altLang="ko-KR" sz="2800" dirty="0"/>
+              <a:t>Python code = </a:t>
             </a:r>
             <a:r>
-              <a:rPr lang="ko-KR" altLang="en-US" sz="1600" dirty="0">
-                <a:solidFill>
-                  <a:schemeClr val="tx1">
-                    <a:lumMod val="95000"/>
-                    <a:lumOff val="5000"/>
-                  </a:schemeClr>
-                </a:solidFill>
-              </a:rPr>
-              <a:t> </a:t>
+              <a:rPr lang="en-US" altLang="ko-KR" sz="2800" dirty="0" err="1"/>
+              <a:t>data.corr</a:t>
             </a:r>
             <a:r>
-              <a:rPr lang="en-US" altLang="ko-KR" sz="1600" dirty="0">
-                <a:solidFill>
-                  <a:schemeClr val="tx1">
-                    <a:lumMod val="95000"/>
-                    <a:lumOff val="5000"/>
-                  </a:schemeClr>
-                </a:solidFill>
-              </a:rPr>
-              <a:t>: </a:t>
+              <a:rPr lang="en-US" altLang="ko-KR" sz="2800" dirty="0"/>
+              <a:t>()</a:t>
             </a:r>
-            <a:r>
-              <a:rPr lang="ko-KR" altLang="en-US" sz="1600" dirty="0">
-                <a:solidFill>
-                  <a:schemeClr val="tx1">
-                    <a:lumMod val="95000"/>
-                    <a:lumOff val="5000"/>
-                  </a:schemeClr>
-                </a:solidFill>
-              </a:rPr>
-              <a:t>행과 열이 변수들을 의미하는 표를 말하며</a:t>
-            </a:r>
-            <a:r>
-              <a:rPr lang="en-US" altLang="ko-KR" sz="1600" dirty="0">
-                <a:solidFill>
-                  <a:schemeClr val="tx1">
-                    <a:lumMod val="95000"/>
-                    <a:lumOff val="5000"/>
-                  </a:schemeClr>
-                </a:solidFill>
-              </a:rPr>
-              <a:t>, </a:t>
-            </a:r>
-            <a:r>
-              <a:rPr lang="ko-KR" altLang="en-US" sz="1600" dirty="0" err="1">
-                <a:solidFill>
-                  <a:schemeClr val="tx1">
-                    <a:lumMod val="95000"/>
-                    <a:lumOff val="5000"/>
-                  </a:schemeClr>
-                </a:solidFill>
-              </a:rPr>
-              <a:t>각셀은</a:t>
-            </a:r>
-            <a:r>
-              <a:rPr lang="ko-KR" altLang="en-US" sz="1600" dirty="0">
-                <a:solidFill>
-                  <a:schemeClr val="tx1">
-                    <a:lumMod val="95000"/>
-                    <a:lumOff val="5000"/>
-                  </a:schemeClr>
-                </a:solidFill>
-              </a:rPr>
-              <a:t> 그 행과 열에 해당하는 변수들 간의 상관관계를 의미함</a:t>
-            </a:r>
-            <a:r>
-              <a:rPr lang="en-US" altLang="ko-KR" sz="1600" dirty="0">
-                <a:solidFill>
-                  <a:schemeClr val="tx1">
-                    <a:lumMod val="95000"/>
-                    <a:lumOff val="5000"/>
-                  </a:schemeClr>
-                </a:solidFill>
-              </a:rPr>
-              <a:t>.</a:t>
-            </a:r>
+            <a:endParaRPr lang="ko-KR" altLang="en-US" sz="2800" dirty="0"/>
           </a:p>
         </p:txBody>
       </p:sp>
       <p:pic>
         <p:nvPicPr>
-          <p:cNvPr id="2" name="그림 1">
+          <p:cNvPr id="12" name="그림 11">
             <a:extLst>
               <a:ext uri="{FF2B5EF4-FFF2-40B4-BE49-F238E27FC236}">
-                <a16:creationId xmlns:a16="http://schemas.microsoft.com/office/drawing/2014/main" id="{5E69A6F5-116D-4FA7-90B6-8BB42C38109A}"/>
+                <a16:creationId xmlns:a16="http://schemas.microsoft.com/office/drawing/2014/main" id="{4554A2D4-9CAA-4ABB-8378-7E17E2F45E38}"/>
               </a:ext>
             </a:extLst>
           </p:cNvPr>
@@ -5907,8 +5191,8 @@
         </p:blipFill>
         <p:spPr>
           <a:xfrm>
-            <a:off x="264598" y="3805730"/>
-            <a:ext cx="9412013" cy="2404612"/>
+            <a:off x="742892" y="4707321"/>
+            <a:ext cx="7980748" cy="1443754"/>
           </a:xfrm>
           <a:prstGeom prst="rect">
             <a:avLst/>
@@ -5917,400 +5201,51 @@
       </p:pic>
       <p:sp>
         <p:nvSpPr>
-          <p:cNvPr id="4" name="타원 3">
+          <p:cNvPr id="13" name="TextBox 12">
             <a:extLst>
               <a:ext uri="{FF2B5EF4-FFF2-40B4-BE49-F238E27FC236}">
-                <a16:creationId xmlns:a16="http://schemas.microsoft.com/office/drawing/2014/main" id="{0326F2EC-34ED-4386-B69C-F7F37346C962}"/>
+                <a16:creationId xmlns:a16="http://schemas.microsoft.com/office/drawing/2014/main" id="{EFD36537-2A0C-4AEE-A5FA-F2826D7CEC03}"/>
               </a:ext>
             </a:extLst>
           </p:cNvPr>
-          <p:cNvSpPr/>
+          <p:cNvSpPr txBox="1"/>
           <p:nvPr/>
         </p:nvSpPr>
         <p:spPr>
           <a:xfrm>
-            <a:off x="8363919" y="1702057"/>
-            <a:ext cx="1012795" cy="319596"/>
+            <a:off x="0" y="3942637"/>
+            <a:ext cx="9906000" cy="338554"/>
           </a:xfrm>
-          <a:prstGeom prst="ellipse">
+          <a:prstGeom prst="rect">
             <a:avLst/>
           </a:prstGeom>
           <a:noFill/>
-          <a:ln>
-            <a:solidFill>
-              <a:srgbClr val="FF0000"/>
-            </a:solidFill>
-          </a:ln>
         </p:spPr>
-        <p:style>
-          <a:lnRef idx="2">
-            <a:schemeClr val="accent1">
-              <a:shade val="50000"/>
-            </a:schemeClr>
-          </a:lnRef>
-          <a:fillRef idx="1">
-            <a:schemeClr val="accent1"/>
-          </a:fillRef>
-          <a:effectRef idx="0">
-            <a:schemeClr val="accent1"/>
-          </a:effectRef>
-          <a:fontRef idx="minor">
-            <a:schemeClr val="lt1"/>
-          </a:fontRef>
-        </p:style>
         <p:txBody>
-          <a:bodyPr rtlCol="0" anchor="ctr"/>
+          <a:bodyPr wrap="square" rtlCol="0">
+            <a:spAutoFit/>
+          </a:bodyPr>
           <a:lstStyle/>
           <a:p>
-            <a:pPr algn="ctr"/>
-            <a:endParaRPr lang="ko-KR" altLang="en-US"/>
+            <a:pPr marL="342900" indent="-342900">
+              <a:buFont typeface="Arial" panose="020B0604020202020204" pitchFamily="34" charset="0"/>
+              <a:buChar char="•"/>
+            </a:pPr>
+            <a:r>
+              <a:rPr lang="ko-KR" altLang="en-US" sz="1600" b="1" dirty="0"/>
+              <a:t>양</a:t>
+            </a:r>
+            <a:r>
+              <a:rPr lang="en-US" altLang="ko-KR" sz="1600" b="1" dirty="0"/>
+              <a:t>, </a:t>
+            </a:r>
+            <a:r>
+              <a:rPr lang="ko-KR" altLang="en-US" sz="1600" b="1" dirty="0"/>
+              <a:t>음의 상관관계</a:t>
+            </a:r>
           </a:p>
         </p:txBody>
       </p:sp>
-      <mc:AlternateContent xmlns:mc="http://schemas.openxmlformats.org/markup-compatibility/2006" xmlns:a14="http://schemas.microsoft.com/office/drawing/2010/main">
-        <mc:Choice Requires="a14">
-          <p:sp>
-            <p:nvSpPr>
-              <p:cNvPr id="11" name="TextBox 10">
-                <a:extLst>
-                  <a:ext uri="{FF2B5EF4-FFF2-40B4-BE49-F238E27FC236}">
-                    <a16:creationId xmlns:a16="http://schemas.microsoft.com/office/drawing/2014/main" id="{CF19EF07-1411-4800-901F-43DBDCF68B42}"/>
-                  </a:ext>
-                </a:extLst>
-              </p:cNvPr>
-              <p:cNvSpPr txBox="1"/>
-              <p:nvPr/>
-            </p:nvSpPr>
-            <p:spPr>
-              <a:xfrm>
-                <a:off x="2284354" y="1546844"/>
-                <a:ext cx="4625885" cy="949619"/>
-              </a:xfrm>
-              <a:prstGeom prst="rect">
-                <a:avLst/>
-              </a:prstGeom>
-              <a:noFill/>
-            </p:spPr>
-            <p:txBody>
-              <a:bodyPr wrap="square" rtlCol="0">
-                <a:spAutoFit/>
-              </a:bodyPr>
-              <a:lstStyle/>
-              <a:p>
-                <a:pPr/>
-                <a14:m>
-                  <m:oMathPara xmlns:m="http://schemas.openxmlformats.org/officeDocument/2006/math">
-                    <m:oMathParaPr>
-                      <m:jc m:val="centerGroup"/>
-                    </m:oMathParaPr>
-                    <m:oMath xmlns:m="http://schemas.openxmlformats.org/officeDocument/2006/math">
-                      <m:r>
-                        <a:rPr lang="ko-KR" altLang="en-US" sz="2400" i="1" dirty="0" smtClean="0">
-                          <a:latin typeface="Cambria Math" panose="02040503050406030204" pitchFamily="18" charset="0"/>
-                        </a:rPr>
-                        <m:t>𝑟</m:t>
-                      </m:r>
-                      <m:r>
-                        <a:rPr lang="ko-KR" altLang="en-US" sz="2400" i="0" dirty="0">
-                          <a:latin typeface="Cambria Math" panose="02040503050406030204" pitchFamily="18" charset="0"/>
-                        </a:rPr>
-                        <m:t>=</m:t>
-                      </m:r>
-                      <m:f>
-                        <m:fPr>
-                          <m:ctrlPr>
-                            <a:rPr lang="ko-KR" altLang="en-US" sz="2400" i="1" dirty="0">
-                              <a:latin typeface="Cambria Math" panose="02040503050406030204" pitchFamily="18" charset="0"/>
-                            </a:rPr>
-                          </m:ctrlPr>
-                        </m:fPr>
-                        <m:num>
-                          <m:nary>
-                            <m:naryPr>
-                              <m:chr m:val="∑"/>
-                              <m:limLoc m:val="undOvr"/>
-                              <m:grow m:val="on"/>
-                              <m:ctrlPr>
-                                <a:rPr lang="ko-KR" altLang="en-US" sz="2400" i="1" dirty="0">
-                                  <a:latin typeface="Cambria Math" panose="02040503050406030204" pitchFamily="18" charset="0"/>
-                                </a:rPr>
-                              </m:ctrlPr>
-                            </m:naryPr>
-                            <m:sub>
-                              <m:r>
-                                <a:rPr lang="ko-KR" altLang="en-US" sz="2400" i="1" dirty="0">
-                                  <a:latin typeface="Cambria Math" panose="02040503050406030204" pitchFamily="18" charset="0"/>
-                                </a:rPr>
-                                <m:t>𝑖</m:t>
-                              </m:r>
-                              <m:r>
-                                <a:rPr lang="ko-KR" altLang="en-US" sz="2400" i="0" dirty="0">
-                                  <a:latin typeface="Cambria Math" panose="02040503050406030204" pitchFamily="18" charset="0"/>
-                                </a:rPr>
-                                <m:t>=1</m:t>
-                              </m:r>
-                            </m:sub>
-                            <m:sup>
-                              <m:r>
-                                <a:rPr lang="ko-KR" altLang="en-US" sz="2400" i="1" dirty="0">
-                                  <a:latin typeface="Cambria Math" panose="02040503050406030204" pitchFamily="18" charset="0"/>
-                                </a:rPr>
-                                <m:t>𝑁</m:t>
-                              </m:r>
-                            </m:sup>
-                            <m:e>
-                              <m:d>
-                                <m:dPr>
-                                  <m:ctrlPr>
-                                    <a:rPr lang="ko-KR" altLang="en-US" sz="2400" i="1" dirty="0">
-                                      <a:latin typeface="Cambria Math" panose="02040503050406030204" pitchFamily="18" charset="0"/>
-                                    </a:rPr>
-                                  </m:ctrlPr>
-                                </m:dPr>
-                                <m:e>
-                                  <m:sSub>
-                                    <m:sSubPr>
-                                      <m:ctrlPr>
-                                        <a:rPr lang="ko-KR" altLang="en-US" sz="2400" i="1" dirty="0">
-                                          <a:latin typeface="Cambria Math" panose="02040503050406030204" pitchFamily="18" charset="0"/>
-                                        </a:rPr>
-                                      </m:ctrlPr>
-                                    </m:sSubPr>
-                                    <m:e>
-                                      <m:r>
-                                        <a:rPr lang="ko-KR" altLang="en-US" sz="2400" i="1" dirty="0">
-                                          <a:latin typeface="Cambria Math" panose="02040503050406030204" pitchFamily="18" charset="0"/>
-                                        </a:rPr>
-                                        <m:t>𝑥</m:t>
-                                      </m:r>
-                                    </m:e>
-                                    <m:sub>
-                                      <m:r>
-                                        <a:rPr lang="ko-KR" altLang="en-US" sz="2400" i="1" dirty="0">
-                                          <a:latin typeface="Cambria Math" panose="02040503050406030204" pitchFamily="18" charset="0"/>
-                                        </a:rPr>
-                                        <m:t>𝑖</m:t>
-                                      </m:r>
-                                    </m:sub>
-                                  </m:sSub>
-                                  <m:r>
-                                    <a:rPr lang="ko-KR" altLang="en-US" sz="2400" i="0" dirty="0">
-                                      <a:latin typeface="Cambria Math" panose="02040503050406030204" pitchFamily="18" charset="0"/>
-                                    </a:rPr>
-                                    <m:t>−</m:t>
-                                  </m:r>
-                                  <m:acc>
-                                    <m:accPr>
-                                      <m:chr m:val="̅"/>
-                                      <m:ctrlPr>
-                                        <a:rPr lang="ko-KR" altLang="en-US" sz="2400" i="1" dirty="0">
-                                          <a:latin typeface="Cambria Math" panose="02040503050406030204" pitchFamily="18" charset="0"/>
-                                        </a:rPr>
-                                      </m:ctrlPr>
-                                    </m:accPr>
-                                    <m:e>
-                                      <m:r>
-                                        <a:rPr lang="ko-KR" altLang="en-US" sz="2400" i="1" dirty="0">
-                                          <a:latin typeface="Cambria Math" panose="02040503050406030204" pitchFamily="18" charset="0"/>
-                                        </a:rPr>
-                                        <m:t>𝑥</m:t>
-                                      </m:r>
-                                    </m:e>
-                                  </m:acc>
-                                </m:e>
-                              </m:d>
-                              <m:d>
-                                <m:dPr>
-                                  <m:ctrlPr>
-                                    <a:rPr lang="ko-KR" altLang="en-US" sz="2400" i="1" dirty="0">
-                                      <a:latin typeface="Cambria Math" panose="02040503050406030204" pitchFamily="18" charset="0"/>
-                                    </a:rPr>
-                                  </m:ctrlPr>
-                                </m:dPr>
-                                <m:e>
-                                  <m:sSub>
-                                    <m:sSubPr>
-                                      <m:ctrlPr>
-                                        <a:rPr lang="ko-KR" altLang="en-US" sz="2400" i="1" dirty="0">
-                                          <a:latin typeface="Cambria Math" panose="02040503050406030204" pitchFamily="18" charset="0"/>
-                                        </a:rPr>
-                                      </m:ctrlPr>
-                                    </m:sSubPr>
-                                    <m:e>
-                                      <m:r>
-                                        <a:rPr lang="ko-KR" altLang="en-US" sz="2400" i="1" dirty="0">
-                                          <a:latin typeface="Cambria Math" panose="02040503050406030204" pitchFamily="18" charset="0"/>
-                                        </a:rPr>
-                                        <m:t>𝑦</m:t>
-                                      </m:r>
-                                    </m:e>
-                                    <m:sub>
-                                      <m:r>
-                                        <a:rPr lang="ko-KR" altLang="en-US" sz="2400" i="1" dirty="0">
-                                          <a:latin typeface="Cambria Math" panose="02040503050406030204" pitchFamily="18" charset="0"/>
-                                        </a:rPr>
-                                        <m:t>𝑖</m:t>
-                                      </m:r>
-                                    </m:sub>
-                                  </m:sSub>
-                                  <m:r>
-                                    <a:rPr lang="ko-KR" altLang="en-US" sz="2400" i="0" dirty="0">
-                                      <a:latin typeface="Cambria Math" panose="02040503050406030204" pitchFamily="18" charset="0"/>
-                                    </a:rPr>
-                                    <m:t>−</m:t>
-                                  </m:r>
-                                  <m:acc>
-                                    <m:accPr>
-                                      <m:chr m:val="̅"/>
-                                      <m:ctrlPr>
-                                        <a:rPr lang="ko-KR" altLang="en-US" sz="2400" i="1" dirty="0">
-                                          <a:latin typeface="Cambria Math" panose="02040503050406030204" pitchFamily="18" charset="0"/>
-                                        </a:rPr>
-                                      </m:ctrlPr>
-                                    </m:accPr>
-                                    <m:e>
-                                      <m:r>
-                                        <a:rPr lang="ko-KR" altLang="en-US" sz="2400" i="1" dirty="0">
-                                          <a:latin typeface="Cambria Math" panose="02040503050406030204" pitchFamily="18" charset="0"/>
-                                        </a:rPr>
-                                        <m:t>𝑦</m:t>
-                                      </m:r>
-                                    </m:e>
-                                  </m:acc>
-                                </m:e>
-                              </m:d>
-                            </m:e>
-                          </m:nary>
-                        </m:num>
-                        <m:den>
-                          <m:d>
-                            <m:dPr>
-                              <m:ctrlPr>
-                                <a:rPr lang="ko-KR" altLang="en-US" sz="2400" i="1" dirty="0">
-                                  <a:latin typeface="Cambria Math" panose="02040503050406030204" pitchFamily="18" charset="0"/>
-                                </a:rPr>
-                              </m:ctrlPr>
-                            </m:dPr>
-                            <m:e>
-                              <m:r>
-                                <a:rPr lang="ko-KR" altLang="en-US" sz="2400" i="1" dirty="0">
-                                  <a:latin typeface="Cambria Math" panose="02040503050406030204" pitchFamily="18" charset="0"/>
-                                </a:rPr>
-                                <m:t>𝑁</m:t>
-                              </m:r>
-                              <m:r>
-                                <a:rPr lang="ko-KR" altLang="en-US" sz="2400" i="0" dirty="0">
-                                  <a:latin typeface="Cambria Math" panose="02040503050406030204" pitchFamily="18" charset="0"/>
-                                </a:rPr>
-                                <m:t>−1</m:t>
-                              </m:r>
-                            </m:e>
-                          </m:d>
-                          <m:sSub>
-                            <m:sSubPr>
-                              <m:ctrlPr>
-                                <a:rPr lang="ko-KR" altLang="en-US" sz="2400" i="1" dirty="0">
-                                  <a:latin typeface="Cambria Math" panose="02040503050406030204" pitchFamily="18" charset="0"/>
-                                </a:rPr>
-                              </m:ctrlPr>
-                            </m:sSubPr>
-                            <m:e>
-                              <m:r>
-                                <a:rPr lang="ko-KR" altLang="en-US" sz="2400" i="1" dirty="0">
-                                  <a:latin typeface="Cambria Math" panose="02040503050406030204" pitchFamily="18" charset="0"/>
-                                </a:rPr>
-                                <m:t>𝑠</m:t>
-                              </m:r>
-                            </m:e>
-                            <m:sub>
-                              <m:r>
-                                <a:rPr lang="ko-KR" altLang="en-US" sz="2400" i="1" dirty="0">
-                                  <a:latin typeface="Cambria Math" panose="02040503050406030204" pitchFamily="18" charset="0"/>
-                                </a:rPr>
-                                <m:t>𝑥</m:t>
-                              </m:r>
-                            </m:sub>
-                          </m:sSub>
-                          <m:sSub>
-                            <m:sSubPr>
-                              <m:ctrlPr>
-                                <a:rPr lang="ko-KR" altLang="en-US" sz="2400" i="1" dirty="0">
-                                  <a:latin typeface="Cambria Math" panose="02040503050406030204" pitchFamily="18" charset="0"/>
-                                </a:rPr>
-                              </m:ctrlPr>
-                            </m:sSubPr>
-                            <m:e>
-                              <m:r>
-                                <a:rPr lang="ko-KR" altLang="en-US" sz="2400" i="1" dirty="0">
-                                  <a:latin typeface="Cambria Math" panose="02040503050406030204" pitchFamily="18" charset="0"/>
-                                </a:rPr>
-                                <m:t>𝑠</m:t>
-                              </m:r>
-                            </m:e>
-                            <m:sub>
-                              <m:r>
-                                <a:rPr lang="ko-KR" altLang="en-US" sz="2400" i="1" dirty="0">
-                                  <a:latin typeface="Cambria Math" panose="02040503050406030204" pitchFamily="18" charset="0"/>
-                                </a:rPr>
-                                <m:t>𝑦</m:t>
-                              </m:r>
-                            </m:sub>
-                          </m:sSub>
-                        </m:den>
-                      </m:f>
-                    </m:oMath>
-                  </m:oMathPara>
-                </a14:m>
-                <a:endParaRPr lang="ko-KR" altLang="en-US" sz="2400" dirty="0"/>
-              </a:p>
-            </p:txBody>
-          </p:sp>
-        </mc:Choice>
-        <mc:Fallback xmlns="">
-          <p:sp>
-            <p:nvSpPr>
-              <p:cNvPr id="11" name="TextBox 10">
-                <a:extLst>
-                  <a:ext uri="{FF2B5EF4-FFF2-40B4-BE49-F238E27FC236}">
-                    <a16:creationId xmlns:a16="http://schemas.microsoft.com/office/drawing/2014/main" id="{CF19EF07-1411-4800-901F-43DBDCF68B42}"/>
-                  </a:ext>
-                </a:extLst>
-              </p:cNvPr>
-              <p:cNvSpPr txBox="1">
-                <a:spLocks noRot="1" noChangeAspect="1" noMove="1" noResize="1" noEditPoints="1" noAdjustHandles="1" noChangeArrowheads="1" noChangeShapeType="1" noTextEdit="1"/>
-              </p:cNvSpPr>
-              <p:nvPr/>
-            </p:nvSpPr>
-            <p:spPr>
-              <a:xfrm>
-                <a:off x="2284354" y="1546844"/>
-                <a:ext cx="4625885" cy="949619"/>
-              </a:xfrm>
-              <a:prstGeom prst="rect">
-                <a:avLst/>
-              </a:prstGeom>
-              <a:blipFill>
-                <a:blip r:embed="rId5"/>
-                <a:stretch>
-                  <a:fillRect/>
-                </a:stretch>
-              </a:blipFill>
-            </p:spPr>
-            <p:txBody>
-              <a:bodyPr/>
-              <a:lstStyle/>
-              <a:p>
-                <a:r>
-                  <a:rPr lang="ko-KR" altLang="en-US">
-                    <a:noFill/>
-                  </a:rPr>
-                  <a:t> </a:t>
-                </a:r>
-              </a:p>
-            </p:txBody>
-          </p:sp>
-        </mc:Fallback>
-      </mc:AlternateContent>
     </p:spTree>
   </p:cSld>
   <p:clrMapOvr>
@@ -6336,6 +5271,36 @@
           <a:chExt cx="0" cy="0"/>
         </a:xfrm>
       </p:grpSpPr>
+      <p:pic>
+        <p:nvPicPr>
+          <p:cNvPr id="16" name="그림 15">
+            <a:extLst>
+              <a:ext uri="{FF2B5EF4-FFF2-40B4-BE49-F238E27FC236}">
+                <a16:creationId xmlns:a16="http://schemas.microsoft.com/office/drawing/2014/main" id="{D3E4C552-10EC-4467-8CAA-B0B2CD3321C3}"/>
+              </a:ext>
+            </a:extLst>
+          </p:cNvPr>
+          <p:cNvPicPr>
+            <a:picLocks noChangeAspect="1"/>
+          </p:cNvPicPr>
+          <p:nvPr/>
+        </p:nvPicPr>
+        <p:blipFill>
+          <a:blip r:embed="rId3"/>
+          <a:stretch>
+            <a:fillRect/>
+          </a:stretch>
+        </p:blipFill>
+        <p:spPr>
+          <a:xfrm>
+            <a:off x="294352" y="1401376"/>
+            <a:ext cx="9002381" cy="447737"/>
+          </a:xfrm>
+          <a:prstGeom prst="rect">
+            <a:avLst/>
+          </a:prstGeom>
+        </p:spPr>
+      </p:pic>
       <p:sp>
         <p:nvSpPr>
           <p:cNvPr id="38" name="Google Shape;38;g7fdcfe9825_0_1"/>
@@ -6548,91 +5513,6 @@
           </a:bodyPr>
           <a:lstStyle/>
           <a:p>
-            <a:pPr marL="400050" indent="-285750" algn="just">
-              <a:lnSpc>
-                <a:spcPct val="150000"/>
-              </a:lnSpc>
-              <a:buClrTx/>
-              <a:buSzPts val="1800"/>
-              <a:buFont typeface="Arial" panose="020B0604020202020204" pitchFamily="34" charset="0"/>
-              <a:buChar char="•"/>
-            </a:pPr>
-            <a:r>
-              <a:rPr lang="ko-KR" altLang="en-US" sz="1600" b="1" dirty="0" err="1">
-                <a:solidFill>
-                  <a:schemeClr val="tx1">
-                    <a:lumMod val="95000"/>
-                    <a:lumOff val="5000"/>
-                  </a:schemeClr>
-                </a:solidFill>
-              </a:rPr>
-              <a:t>산점도</a:t>
-            </a:r>
-            <a:r>
-              <a:rPr lang="ko-KR" altLang="en-US" sz="1600" dirty="0">
-                <a:solidFill>
-                  <a:schemeClr val="tx1">
-                    <a:lumMod val="95000"/>
-                    <a:lumOff val="5000"/>
-                  </a:schemeClr>
-                </a:solidFill>
-              </a:rPr>
-              <a:t> </a:t>
-            </a:r>
-            <a:r>
-              <a:rPr lang="en-US" altLang="ko-KR" sz="1600" dirty="0">
-                <a:solidFill>
-                  <a:schemeClr val="tx1">
-                    <a:lumMod val="95000"/>
-                    <a:lumOff val="5000"/>
-                  </a:schemeClr>
-                </a:solidFill>
-              </a:rPr>
-              <a:t>: x</a:t>
-            </a:r>
-            <a:r>
-              <a:rPr lang="ko-KR" altLang="en-US" sz="1600" dirty="0">
-                <a:solidFill>
-                  <a:schemeClr val="tx1">
-                    <a:lumMod val="95000"/>
-                    <a:lumOff val="5000"/>
-                  </a:schemeClr>
-                </a:solidFill>
-              </a:rPr>
-              <a:t>축과 </a:t>
-            </a:r>
-            <a:r>
-              <a:rPr lang="en-US" altLang="ko-KR" sz="1600" dirty="0">
-                <a:solidFill>
-                  <a:schemeClr val="tx1">
-                    <a:lumMod val="95000"/>
-                    <a:lumOff val="5000"/>
-                  </a:schemeClr>
-                </a:solidFill>
-              </a:rPr>
-              <a:t>y</a:t>
-            </a:r>
-            <a:r>
-              <a:rPr lang="ko-KR" altLang="en-US" sz="1600" dirty="0">
-                <a:solidFill>
-                  <a:schemeClr val="tx1">
-                    <a:lumMod val="95000"/>
-                    <a:lumOff val="5000"/>
-                  </a:schemeClr>
-                </a:solidFill>
-              </a:rPr>
-              <a:t>축이 서로 다른 두 개의 변수를 나타내는 도표</a:t>
-            </a:r>
-            <a:endParaRPr lang="en-US" altLang="ko-KR" sz="1600" dirty="0">
-              <a:solidFill>
-                <a:schemeClr val="tx1">
-                  <a:lumMod val="95000"/>
-                  <a:lumOff val="5000"/>
-                </a:schemeClr>
-              </a:solidFill>
-            </a:endParaRPr>
-          </a:p>
-          <a:p>
             <a:pPr marL="400050" lvl="0" indent="-285750" algn="just">
               <a:lnSpc>
                 <a:spcPct val="150000"/>
@@ -6653,14 +5533,88 @@
               </a:solidFill>
             </a:endParaRPr>
           </a:p>
+          <a:p>
+            <a:pPr marL="114300" lvl="0" algn="just">
+              <a:lnSpc>
+                <a:spcPct val="150000"/>
+              </a:lnSpc>
+              <a:buClr>
+                <a:srgbClr val="0070C0"/>
+              </a:buClr>
+              <a:buSzPts val="1800"/>
+            </a:pPr>
+            <a:endParaRPr lang="en-US" altLang="ko-KR" sz="1600" dirty="0">
+              <a:solidFill>
+                <a:schemeClr val="tx1">
+                  <a:lumMod val="95000"/>
+                  <a:lumOff val="5000"/>
+                </a:schemeClr>
+              </a:solidFill>
+            </a:endParaRPr>
+          </a:p>
+        </p:txBody>
+      </p:sp>
+      <p:sp>
+        <p:nvSpPr>
+          <p:cNvPr id="8" name="TextBox 7">
+            <a:extLst>
+              <a:ext uri="{FF2B5EF4-FFF2-40B4-BE49-F238E27FC236}">
+                <a16:creationId xmlns:a16="http://schemas.microsoft.com/office/drawing/2014/main" id="{15396CE8-0C24-4F85-AF43-A649CB4D48D9}"/>
+              </a:ext>
+            </a:extLst>
+          </p:cNvPr>
+          <p:cNvSpPr txBox="1"/>
+          <p:nvPr/>
+        </p:nvSpPr>
+        <p:spPr>
+          <a:xfrm>
+            <a:off x="7124" y="760979"/>
+            <a:ext cx="9899114" cy="338554"/>
+          </a:xfrm>
+          <a:prstGeom prst="rect">
+            <a:avLst/>
+          </a:prstGeom>
+          <a:noFill/>
+        </p:spPr>
+        <p:txBody>
+          <a:bodyPr wrap="square" rtlCol="0">
+            <a:spAutoFit/>
+          </a:bodyPr>
+          <a:lstStyle/>
+          <a:p>
+            <a:pPr marL="285750" indent="-285750">
+              <a:buFont typeface="Arial" panose="020B0604020202020204" pitchFamily="34" charset="0"/>
+              <a:buChar char="•"/>
+            </a:pPr>
+            <a:r>
+              <a:rPr lang="ko-KR" altLang="en-US" sz="1600" b="1" dirty="0"/>
+              <a:t>상관행렬 </a:t>
+            </a:r>
+            <a:r>
+              <a:rPr lang="en-US" altLang="ko-KR" sz="1600" dirty="0"/>
+              <a:t>: </a:t>
+            </a:r>
+            <a:r>
+              <a:rPr lang="ko-KR" altLang="en-US" sz="1600" dirty="0"/>
+              <a:t>여러 변수를 사이의 상관관계를 행렬로 </a:t>
+            </a:r>
+            <a:r>
+              <a:rPr lang="ko-KR" altLang="en-US" sz="1600" dirty="0" err="1"/>
+              <a:t>표현한것</a:t>
+            </a:r>
+            <a:r>
+              <a:rPr lang="ko-KR" altLang="en-US" sz="1600" dirty="0"/>
+              <a:t> </a:t>
+            </a:r>
+          </a:p>
         </p:txBody>
       </p:sp>
       <p:pic>
         <p:nvPicPr>
-          <p:cNvPr id="4" name="그림 3">
+          <p:cNvPr id="12" name="그림 11">
             <a:extLst>
               <a:ext uri="{FF2B5EF4-FFF2-40B4-BE49-F238E27FC236}">
-                <a16:creationId xmlns:a16="http://schemas.microsoft.com/office/drawing/2014/main" id="{2C540483-0543-48D3-B851-D7B804F26003}"/>
+                <a16:creationId xmlns:a16="http://schemas.microsoft.com/office/drawing/2014/main" id="{B736F308-FC90-4C12-B72B-6E67C970175A}"/>
               </a:ext>
             </a:extLst>
           </p:cNvPr>
@@ -6670,27 +5624,104 @@
           <p:nvPr/>
         </p:nvPicPr>
         <p:blipFill>
-          <a:blip r:embed="rId3"/>
+          <a:blip r:embed="rId4"/>
           <a:stretch>
             <a:fillRect/>
           </a:stretch>
         </p:blipFill>
         <p:spPr>
           <a:xfrm>
-            <a:off x="745725" y="1483513"/>
-            <a:ext cx="4731797" cy="4428456"/>
+            <a:off x="5274389" y="2246053"/>
+            <a:ext cx="3593283" cy="3036762"/>
           </a:xfrm>
           <a:prstGeom prst="rect">
             <a:avLst/>
           </a:prstGeom>
         </p:spPr>
       </p:pic>
+      <p:pic>
+        <p:nvPicPr>
+          <p:cNvPr id="13" name="그림 12">
+            <a:extLst>
+              <a:ext uri="{FF2B5EF4-FFF2-40B4-BE49-F238E27FC236}">
+                <a16:creationId xmlns:a16="http://schemas.microsoft.com/office/drawing/2014/main" id="{D7444D65-0F3E-40F8-BFE2-DCB8124A3C45}"/>
+              </a:ext>
+            </a:extLst>
+          </p:cNvPr>
+          <p:cNvPicPr>
+            <a:picLocks noChangeAspect="1"/>
+          </p:cNvPicPr>
+          <p:nvPr/>
+        </p:nvPicPr>
+        <p:blipFill>
+          <a:blip r:embed="rId5"/>
+          <a:stretch>
+            <a:fillRect/>
+          </a:stretch>
+        </p:blipFill>
+        <p:spPr>
+          <a:xfrm>
+            <a:off x="751107" y="2442281"/>
+            <a:ext cx="3857777" cy="2644306"/>
+          </a:xfrm>
+          <a:prstGeom prst="rect">
+            <a:avLst/>
+          </a:prstGeom>
+        </p:spPr>
+      </p:pic>
+      <p:sp>
+        <p:nvSpPr>
+          <p:cNvPr id="15" name="직사각형 14">
+            <a:extLst>
+              <a:ext uri="{FF2B5EF4-FFF2-40B4-BE49-F238E27FC236}">
+                <a16:creationId xmlns:a16="http://schemas.microsoft.com/office/drawing/2014/main" id="{4D820960-2486-47A3-BE9B-43494CC66863}"/>
+              </a:ext>
+            </a:extLst>
+          </p:cNvPr>
+          <p:cNvSpPr/>
+          <p:nvPr/>
+        </p:nvSpPr>
+        <p:spPr>
+          <a:xfrm>
+            <a:off x="1100831" y="1412744"/>
+            <a:ext cx="816746" cy="274217"/>
+          </a:xfrm>
+          <a:prstGeom prst="rect">
+            <a:avLst/>
+          </a:prstGeom>
+          <a:noFill/>
+          <a:ln>
+            <a:solidFill>
+              <a:srgbClr val="FF0000"/>
+            </a:solidFill>
+          </a:ln>
+        </p:spPr>
+        <p:style>
+          <a:lnRef idx="2">
+            <a:schemeClr val="accent1">
+              <a:shade val="50000"/>
+            </a:schemeClr>
+          </a:lnRef>
+          <a:fillRef idx="1">
+            <a:schemeClr val="accent1"/>
+          </a:fillRef>
+          <a:effectRef idx="0">
+            <a:schemeClr val="accent1"/>
+          </a:effectRef>
+          <a:fontRef idx="minor">
+            <a:schemeClr val="lt1"/>
+          </a:fontRef>
+        </p:style>
+        <p:txBody>
+          <a:bodyPr rtlCol="0" anchor="ctr"/>
+          <a:lstStyle/>
+          <a:p>
+            <a:pPr algn="ctr"/>
+            <a:endParaRPr lang="ko-KR" altLang="en-US" dirty="0"/>
+          </a:p>
+        </p:txBody>
+      </p:sp>
     </p:spTree>
-    <p:extLst>
-      <p:ext uri="{BB962C8B-B14F-4D97-AF65-F5344CB8AC3E}">
-        <p14:creationId xmlns:p14="http://schemas.microsoft.com/office/powerpoint/2010/main" val="543222816"/>
-      </p:ext>
-    </p:extLst>
   </p:cSld>
   <p:clrMapOvr>
     <a:masterClrMapping/>

--- a/study/ppt/[스터디]1.6.1~1.7상관계수_KDH.pptx
+++ b/study/ppt/[스터디]1.6.1~1.7상관계수_KDH.pptx
@@ -309,7 +309,7 @@
       </p15:sldGuideLst>
     </p:ext>
     <p:ext uri="http://customooxmlschemas.google.com/">
-      <go:slidesCustomData xmlns="" xmlns:mc="http://schemas.openxmlformats.org/markup-compatibility/2006" xmlns:mv="urn:schemas-microsoft-com:mac:vml" xmlns:c="http://schemas.openxmlformats.org/drawingml/2006/chart" xmlns:dgm="http://schemas.openxmlformats.org/drawingml/2006/diagram" xmlns:o="urn:schemas-microsoft-com:office:office" xmlns:v="urn:schemas-microsoft-com:vml" xmlns:pvml="urn:schemas-microsoft-com:office:powerpoint" xmlns:com="http://schemas.openxmlformats.org/drawingml/2006/compatibility" xmlns:p14="http://schemas.microsoft.com/office/powerpoint/2010/main" xmlns:p15="http://schemas.microsoft.com/office/powerpoint/2012/main" xmlns:go="http://customooxmlschemas.google.com/" r:id="rId10" roundtripDataSignature="AMtx7mhva3UHPhQA4WbyUQCroSE+7w+SGg=="/>
+      <go:slidesCustomData xmlns:go="http://customooxmlschemas.google.com/" xmlns:p15="http://schemas.microsoft.com/office/powerpoint/2012/main" xmlns:p14="http://schemas.microsoft.com/office/powerpoint/2010/main" xmlns:com="http://schemas.openxmlformats.org/drawingml/2006/compatibility" xmlns:pvml="urn:schemas-microsoft-com:office:powerpoint" xmlns:v="urn:schemas-microsoft-com:vml" xmlns:o="urn:schemas-microsoft-com:office:office" xmlns:dgm="http://schemas.openxmlformats.org/drawingml/2006/diagram" xmlns:c="http://schemas.openxmlformats.org/drawingml/2006/chart" xmlns:mv="urn:schemas-microsoft-com:mac:vml" xmlns:mc="http://schemas.openxmlformats.org/markup-compatibility/2006" xmlns="" r:id="rId10" roundtripDataSignature="AMtx7mhva3UHPhQA4WbyUQCroSE+7w+SGg=="/>
     </p:ext>
   </p:extLst>
 </p:presentation>
